--- a/Apresentação da aplicação demonstradora de análise e edição de imagens.pptx
+++ b/Apresentação da aplicação demonstradora de análise e edição de imagens.pptx
@@ -118,6 +118,80 @@
 </p:presentation>
 </file>
 
+<file path=ppt/authors.xml><?xml version="1.0" encoding="utf-8"?>
+<p188:authorLst xmlns:a="http://schemas.openxmlformats.org/drawingml/2006/main" xmlns:r="http://schemas.openxmlformats.org/officeDocument/2006/relationships" xmlns:p188="http://schemas.microsoft.com/office/powerpoint/2018/8/main">
+  <p188:author id="{CC16FB7C-E6BF-E08C-9869-FAAC94A58206}" name="Luís Miguel Santos" initials="LS" userId="91fbdb63a866c617" providerId="Windows Live"/>
+</p188:authorLst>
+</file>
+
+<file path=ppt/comments/modernComment_101_F938D4DE.xml><?xml version="1.0" encoding="utf-8"?>
+<p188:cmLst xmlns:a="http://schemas.openxmlformats.org/drawingml/2006/main" xmlns:r="http://schemas.openxmlformats.org/officeDocument/2006/relationships" xmlns:p188="http://schemas.microsoft.com/office/powerpoint/2018/8/main">
+  <p188:cm id="{503B1441-500E-47CB-BD45-62C4027F8095}" authorId="{CC16FB7C-E6BF-E08C-9869-FAAC94A58206}" created="2023-05-30T19:40:28.335">
+    <ac:txMkLst xmlns:ac="http://schemas.microsoft.com/office/drawing/2013/main/command">
+      <pc:docMk xmlns:pc="http://schemas.microsoft.com/office/powerpoint/2013/main/command"/>
+      <pc:sldMk xmlns:pc="http://schemas.microsoft.com/office/powerpoint/2013/main/command" cId="4181251294" sldId="257"/>
+      <ac:spMk id="3" creationId="{36D3E373-DD2F-077E-F0E3-6BEDD8814BE6}"/>
+      <ac:txMk cp="157" len="25">
+        <ac:context len="419" hash="3758343597"/>
+      </ac:txMk>
+    </ac:txMkLst>
+    <p188:pos x="9300485" y="1283965"/>
+    <p188:txBody>
+      <a:bodyPr/>
+      <a:lstStyle/>
+      <a:p>
+        <a:r>
+          <a:rPr lang="pt-PT"/>
+          <a:t>Com a alteração do controller não vai ser assim</a:t>
+        </a:r>
+      </a:p>
+    </p188:txBody>
+  </p188:cm>
+  <p188:cm id="{96C3C38A-BDF6-4129-946B-77A9448CE1D5}" authorId="{CC16FB7C-E6BF-E08C-9869-FAAC94A58206}" created="2023-05-30T19:41:51.185">
+    <pc:sldMkLst xmlns:pc="http://schemas.microsoft.com/office/powerpoint/2013/main/command">
+      <pc:docMk/>
+      <pc:sldMk cId="4181251294" sldId="257"/>
+    </pc:sldMkLst>
+    <p188:txBody>
+      <a:bodyPr/>
+      <a:lstStyle/>
+      <a:p>
+        <a:r>
+          <a:rPr lang="pt-PT"/>
+          <a:t>Não está implementado. Implementa-se ou deixa-se cair?</a:t>
+        </a:r>
+      </a:p>
+    </p188:txBody>
+  </p188:cm>
+</p188:cmLst>
+</file>
+
+<file path=ppt/comments/modernComment_102_DFF113E9.xml><?xml version="1.0" encoding="utf-8"?>
+<p188:cmLst xmlns:a="http://schemas.openxmlformats.org/drawingml/2006/main" xmlns:r="http://schemas.openxmlformats.org/officeDocument/2006/relationships" xmlns:p188="http://schemas.microsoft.com/office/powerpoint/2018/8/main">
+  <p188:cm id="{17E999CE-BBF7-4567-8EA2-1F2259979521}" authorId="{CC16FB7C-E6BF-E08C-9869-FAAC94A58206}" created="2023-05-30T19:42:15.039">
+    <ac:txMkLst xmlns:ac="http://schemas.microsoft.com/office/drawing/2013/main/command">
+      <pc:docMk xmlns:pc="http://schemas.microsoft.com/office/powerpoint/2013/main/command"/>
+      <pc:sldMk xmlns:pc="http://schemas.microsoft.com/office/powerpoint/2013/main/command" cId="3757118441" sldId="258"/>
+      <ac:spMk id="17" creationId="{81AA95BE-C6AA-AB11-D77C-631C8FB34ED2}"/>
+      <ac:txMk cp="233" len="31">
+        <ac:context len="265" hash="2471724063"/>
+      </ac:txMk>
+    </ac:txMkLst>
+    <p188:pos x="3029695" y="3011046"/>
+    <p188:txBody>
+      <a:bodyPr/>
+      <a:lstStyle/>
+      <a:p>
+        <a:r>
+          <a:rPr lang="pt-PT"/>
+          <a:t>Não está a fazer</a:t>
+        </a:r>
+      </a:p>
+    </p188:txBody>
+  </p188:cm>
+</p188:cmLst>
+</file>
+
 <file path=ppt/slideLayouts/slideLayout1.xml><?xml version="1.0" encoding="utf-8"?>
 <p:sldLayout xmlns:a="http://schemas.openxmlformats.org/drawingml/2006/main" xmlns:r="http://schemas.openxmlformats.org/officeDocument/2006/relationships" xmlns:p="http://schemas.openxmlformats.org/presentationml/2006/main" showMasterSp="0" type="title" preserve="1">
   <p:cSld name="Diapositivo de Título">
@@ -344,7 +418,7 @@
           <a:p>
             <a:fld id="{208AF071-E2F8-4483-8BD5-62BB3A1A1F41}" type="datetimeFigureOut">
               <a:rPr lang="pt-PT" smtClean="0"/>
-              <a:t>28/05/2023</a:t>
+              <a:t>2023-05-30</a:t>
             </a:fld>
             <a:endParaRPr lang="pt-PT"/>
           </a:p>
@@ -386,7 +460,7 @@
           <a:p>
             <a:fld id="{44362CB0-C861-43FA-9DF9-6CD3CE9CE491}" type="slidenum">
               <a:rPr lang="pt-PT" smtClean="0"/>
-              <a:t>‹nº›</a:t>
+              <a:t>‹#›</a:t>
             </a:fld>
             <a:endParaRPr lang="pt-PT"/>
           </a:p>
@@ -552,7 +626,7 @@
           <a:p>
             <a:fld id="{208AF071-E2F8-4483-8BD5-62BB3A1A1F41}" type="datetimeFigureOut">
               <a:rPr lang="pt-PT" smtClean="0"/>
-              <a:t>28/05/2023</a:t>
+              <a:t>2023-05-30</a:t>
             </a:fld>
             <a:endParaRPr lang="pt-PT"/>
           </a:p>
@@ -594,7 +668,7 @@
           <a:p>
             <a:fld id="{44362CB0-C861-43FA-9DF9-6CD3CE9CE491}" type="slidenum">
               <a:rPr lang="pt-PT" smtClean="0"/>
-              <a:t>‹nº›</a:t>
+              <a:t>‹#›</a:t>
             </a:fld>
             <a:endParaRPr lang="pt-PT"/>
           </a:p>
@@ -808,7 +882,7 @@
           <a:p>
             <a:fld id="{208AF071-E2F8-4483-8BD5-62BB3A1A1F41}" type="datetimeFigureOut">
               <a:rPr lang="pt-PT" smtClean="0"/>
-              <a:t>28/05/2023</a:t>
+              <a:t>2023-05-30</a:t>
             </a:fld>
             <a:endParaRPr lang="pt-PT"/>
           </a:p>
@@ -850,7 +924,7 @@
           <a:p>
             <a:fld id="{44362CB0-C861-43FA-9DF9-6CD3CE9CE491}" type="slidenum">
               <a:rPr lang="pt-PT" smtClean="0"/>
-              <a:t>‹nº›</a:t>
+              <a:t>‹#›</a:t>
             </a:fld>
             <a:endParaRPr lang="pt-PT"/>
           </a:p>
@@ -982,7 +1056,7 @@
           <a:p>
             <a:fld id="{208AF071-E2F8-4483-8BD5-62BB3A1A1F41}" type="datetimeFigureOut">
               <a:rPr lang="pt-PT" smtClean="0"/>
-              <a:t>28/05/2023</a:t>
+              <a:t>2023-05-30</a:t>
             </a:fld>
             <a:endParaRPr lang="pt-PT"/>
           </a:p>
@@ -1024,7 +1098,7 @@
           <a:p>
             <a:fld id="{44362CB0-C861-43FA-9DF9-6CD3CE9CE491}" type="slidenum">
               <a:rPr lang="pt-PT" smtClean="0"/>
-              <a:t>‹nº›</a:t>
+              <a:t>‹#›</a:t>
             </a:fld>
             <a:endParaRPr lang="pt-PT"/>
           </a:p>
@@ -1325,7 +1399,7 @@
           <a:p>
             <a:fld id="{208AF071-E2F8-4483-8BD5-62BB3A1A1F41}" type="datetimeFigureOut">
               <a:rPr lang="pt-PT" smtClean="0"/>
-              <a:t>28/05/2023</a:t>
+              <a:t>2023-05-30</a:t>
             </a:fld>
             <a:endParaRPr lang="pt-PT"/>
           </a:p>
@@ -1367,7 +1441,7 @@
           <a:p>
             <a:fld id="{44362CB0-C861-43FA-9DF9-6CD3CE9CE491}" type="slidenum">
               <a:rPr lang="pt-PT" smtClean="0"/>
-              <a:t>‹nº›</a:t>
+              <a:t>‹#›</a:t>
             </a:fld>
             <a:endParaRPr lang="pt-PT"/>
           </a:p>
@@ -1600,7 +1674,7 @@
           <a:p>
             <a:fld id="{208AF071-E2F8-4483-8BD5-62BB3A1A1F41}" type="datetimeFigureOut">
               <a:rPr lang="pt-PT" smtClean="0"/>
-              <a:t>28/05/2023</a:t>
+              <a:t>2023-05-30</a:t>
             </a:fld>
             <a:endParaRPr lang="pt-PT"/>
           </a:p>
@@ -1642,7 +1716,7 @@
           <a:p>
             <a:fld id="{44362CB0-C861-43FA-9DF9-6CD3CE9CE491}" type="slidenum">
               <a:rPr lang="pt-PT" smtClean="0"/>
-              <a:t>‹nº›</a:t>
+              <a:t>‹#›</a:t>
             </a:fld>
             <a:endParaRPr lang="pt-PT"/>
           </a:p>
@@ -1979,7 +2053,7 @@
           <a:p>
             <a:fld id="{208AF071-E2F8-4483-8BD5-62BB3A1A1F41}" type="datetimeFigureOut">
               <a:rPr lang="pt-PT" smtClean="0"/>
-              <a:t>28/05/2023</a:t>
+              <a:t>2023-05-30</a:t>
             </a:fld>
             <a:endParaRPr lang="pt-PT"/>
           </a:p>
@@ -2021,7 +2095,7 @@
           <a:p>
             <a:fld id="{44362CB0-C861-43FA-9DF9-6CD3CE9CE491}" type="slidenum">
               <a:rPr lang="pt-PT" smtClean="0"/>
-              <a:t>‹nº›</a:t>
+              <a:t>‹#›</a:t>
             </a:fld>
             <a:endParaRPr lang="pt-PT"/>
           </a:p>
@@ -2097,7 +2171,7 @@
           <a:p>
             <a:fld id="{208AF071-E2F8-4483-8BD5-62BB3A1A1F41}" type="datetimeFigureOut">
               <a:rPr lang="pt-PT" smtClean="0"/>
-              <a:t>28/05/2023</a:t>
+              <a:t>2023-05-30</a:t>
             </a:fld>
             <a:endParaRPr lang="pt-PT"/>
           </a:p>
@@ -2139,7 +2213,7 @@
           <a:p>
             <a:fld id="{44362CB0-C861-43FA-9DF9-6CD3CE9CE491}" type="slidenum">
               <a:rPr lang="pt-PT" smtClean="0"/>
-              <a:t>‹nº›</a:t>
+              <a:t>‹#›</a:t>
             </a:fld>
             <a:endParaRPr lang="pt-PT"/>
           </a:p>
@@ -2268,7 +2342,7 @@
           <a:p>
             <a:fld id="{208AF071-E2F8-4483-8BD5-62BB3A1A1F41}" type="datetimeFigureOut">
               <a:rPr lang="pt-PT" smtClean="0"/>
-              <a:t>28/05/2023</a:t>
+              <a:t>2023-05-30</a:t>
             </a:fld>
             <a:endParaRPr lang="pt-PT"/>
           </a:p>
@@ -2318,7 +2392,7 @@
           <a:p>
             <a:fld id="{44362CB0-C861-43FA-9DF9-6CD3CE9CE491}" type="slidenum">
               <a:rPr lang="pt-PT" smtClean="0"/>
-              <a:t>‹nº›</a:t>
+              <a:t>‹#›</a:t>
             </a:fld>
             <a:endParaRPr lang="pt-PT"/>
           </a:p>
@@ -2622,7 +2696,7 @@
           <a:p>
             <a:fld id="{208AF071-E2F8-4483-8BD5-62BB3A1A1F41}" type="datetimeFigureOut">
               <a:rPr lang="pt-PT" smtClean="0"/>
-              <a:t>28/05/2023</a:t>
+              <a:t>2023-05-30</a:t>
             </a:fld>
             <a:endParaRPr lang="pt-PT"/>
           </a:p>
@@ -2685,7 +2759,7 @@
           <a:p>
             <a:fld id="{44362CB0-C861-43FA-9DF9-6CD3CE9CE491}" type="slidenum">
               <a:rPr lang="pt-PT" smtClean="0"/>
-              <a:t>‹nº›</a:t>
+              <a:t>‹#›</a:t>
             </a:fld>
             <a:endParaRPr lang="pt-PT"/>
           </a:p>
@@ -3004,7 +3078,7 @@
           <a:p>
             <a:fld id="{208AF071-E2F8-4483-8BD5-62BB3A1A1F41}" type="datetimeFigureOut">
               <a:rPr lang="pt-PT" smtClean="0"/>
-              <a:t>28/05/2023</a:t>
+              <a:t>2023-05-30</a:t>
             </a:fld>
             <a:endParaRPr lang="pt-PT"/>
           </a:p>
@@ -3046,7 +3120,7 @@
           <a:p>
             <a:fld id="{44362CB0-C861-43FA-9DF9-6CD3CE9CE491}" type="slidenum">
               <a:rPr lang="pt-PT" smtClean="0"/>
-              <a:t>‹nº›</a:t>
+              <a:t>‹#›</a:t>
             </a:fld>
             <a:endParaRPr lang="pt-PT"/>
           </a:p>
@@ -3291,7 +3365,7 @@
           <a:p>
             <a:fld id="{208AF071-E2F8-4483-8BD5-62BB3A1A1F41}" type="datetimeFigureOut">
               <a:rPr lang="pt-PT" smtClean="0"/>
-              <a:t>28/05/2023</a:t>
+              <a:t>2023-05-30</a:t>
             </a:fld>
             <a:endParaRPr lang="pt-PT"/>
           </a:p>
@@ -3365,7 +3439,7 @@
           <a:p>
             <a:fld id="{44362CB0-C861-43FA-9DF9-6CD3CE9CE491}" type="slidenum">
               <a:rPr lang="pt-PT" smtClean="0"/>
-              <a:t>‹nº›</a:t>
+              <a:t>‹#›</a:t>
             </a:fld>
             <a:endParaRPr lang="pt-PT"/>
           </a:p>
@@ -4215,6 +4289,11 @@
   <p:clrMapOvr>
     <a:masterClrMapping/>
   </p:clrMapOvr>
+  <p:extLst>
+    <p:ext uri="{6950BFC3-D8DA-4A85-94F7-54DA5524770B}">
+      <p188:commentRel xmlns:p188="http://schemas.microsoft.com/office/powerpoint/2018/8/main" r:id="rId2"/>
+    </p:ext>
+  </p:extLst>
 </p:sld>
 </file>
 
@@ -4752,6 +4831,11 @@
   <p:clrMapOvr>
     <a:masterClrMapping/>
   </p:clrMapOvr>
+  <p:extLst>
+    <p:ext uri="{6950BFC3-D8DA-4A85-94F7-54DA5524770B}">
+      <p188:commentRel xmlns:p188="http://schemas.microsoft.com/office/powerpoint/2018/8/main" r:id="rId2"/>
+    </p:ext>
+  </p:extLst>
 </p:sld>
 </file>
 

--- a/Apresentação da aplicação demonstradora de análise e edição de imagens.pptx
+++ b/Apresentação da aplicação demonstradora de análise e edição de imagens.pptx
@@ -124,74 +124,6 @@
 </p188:authorLst>
 </file>
 
-<file path=ppt/comments/modernComment_101_F938D4DE.xml><?xml version="1.0" encoding="utf-8"?>
-<p188:cmLst xmlns:a="http://schemas.openxmlformats.org/drawingml/2006/main" xmlns:r="http://schemas.openxmlformats.org/officeDocument/2006/relationships" xmlns:p188="http://schemas.microsoft.com/office/powerpoint/2018/8/main">
-  <p188:cm id="{503B1441-500E-47CB-BD45-62C4027F8095}" authorId="{CC16FB7C-E6BF-E08C-9869-FAAC94A58206}" created="2023-05-30T19:40:28.335">
-    <ac:txMkLst xmlns:ac="http://schemas.microsoft.com/office/drawing/2013/main/command">
-      <pc:docMk xmlns:pc="http://schemas.microsoft.com/office/powerpoint/2013/main/command"/>
-      <pc:sldMk xmlns:pc="http://schemas.microsoft.com/office/powerpoint/2013/main/command" cId="4181251294" sldId="257"/>
-      <ac:spMk id="3" creationId="{36D3E373-DD2F-077E-F0E3-6BEDD8814BE6}"/>
-      <ac:txMk cp="157" len="25">
-        <ac:context len="419" hash="3758343597"/>
-      </ac:txMk>
-    </ac:txMkLst>
-    <p188:pos x="9300485" y="1283965"/>
-    <p188:txBody>
-      <a:bodyPr/>
-      <a:lstStyle/>
-      <a:p>
-        <a:r>
-          <a:rPr lang="pt-PT"/>
-          <a:t>Com a alteração do controller não vai ser assim</a:t>
-        </a:r>
-      </a:p>
-    </p188:txBody>
-  </p188:cm>
-  <p188:cm id="{96C3C38A-BDF6-4129-946B-77A9448CE1D5}" authorId="{CC16FB7C-E6BF-E08C-9869-FAAC94A58206}" created="2023-05-30T19:41:51.185">
-    <pc:sldMkLst xmlns:pc="http://schemas.microsoft.com/office/powerpoint/2013/main/command">
-      <pc:docMk/>
-      <pc:sldMk cId="4181251294" sldId="257"/>
-    </pc:sldMkLst>
-    <p188:txBody>
-      <a:bodyPr/>
-      <a:lstStyle/>
-      <a:p>
-        <a:r>
-          <a:rPr lang="pt-PT"/>
-          <a:t>Não está implementado. Implementa-se ou deixa-se cair?</a:t>
-        </a:r>
-      </a:p>
-    </p188:txBody>
-  </p188:cm>
-</p188:cmLst>
-</file>
-
-<file path=ppt/comments/modernComment_102_DFF113E9.xml><?xml version="1.0" encoding="utf-8"?>
-<p188:cmLst xmlns:a="http://schemas.openxmlformats.org/drawingml/2006/main" xmlns:r="http://schemas.openxmlformats.org/officeDocument/2006/relationships" xmlns:p188="http://schemas.microsoft.com/office/powerpoint/2018/8/main">
-  <p188:cm id="{17E999CE-BBF7-4567-8EA2-1F2259979521}" authorId="{CC16FB7C-E6BF-E08C-9869-FAAC94A58206}" created="2023-05-30T19:42:15.039">
-    <ac:txMkLst xmlns:ac="http://schemas.microsoft.com/office/drawing/2013/main/command">
-      <pc:docMk xmlns:pc="http://schemas.microsoft.com/office/powerpoint/2013/main/command"/>
-      <pc:sldMk xmlns:pc="http://schemas.microsoft.com/office/powerpoint/2013/main/command" cId="3757118441" sldId="258"/>
-      <ac:spMk id="17" creationId="{81AA95BE-C6AA-AB11-D77C-631C8FB34ED2}"/>
-      <ac:txMk cp="233" len="31">
-        <ac:context len="265" hash="2471724063"/>
-      </ac:txMk>
-    </ac:txMkLst>
-    <p188:pos x="3029695" y="3011046"/>
-    <p188:txBody>
-      <a:bodyPr/>
-      <a:lstStyle/>
-      <a:p>
-        <a:r>
-          <a:rPr lang="pt-PT"/>
-          <a:t>Não está a fazer</a:t>
-        </a:r>
-      </a:p>
-    </p188:txBody>
-  </p188:cm>
-</p188:cmLst>
-</file>
-
 <file path=ppt/slideLayouts/slideLayout1.xml><?xml version="1.0" encoding="utf-8"?>
 <p:sldLayout xmlns:a="http://schemas.openxmlformats.org/drawingml/2006/main" xmlns:r="http://schemas.openxmlformats.org/officeDocument/2006/relationships" xmlns:p="http://schemas.openxmlformats.org/presentationml/2006/main" showMasterSp="0" type="title" preserve="1">
   <p:cSld name="Diapositivo de Título">
@@ -418,7 +350,7 @@
           <a:p>
             <a:fld id="{208AF071-E2F8-4483-8BD5-62BB3A1A1F41}" type="datetimeFigureOut">
               <a:rPr lang="pt-PT" smtClean="0"/>
-              <a:t>2023-05-30</a:t>
+              <a:t>2023-06-03</a:t>
             </a:fld>
             <a:endParaRPr lang="pt-PT"/>
           </a:p>
@@ -626,7 +558,7 @@
           <a:p>
             <a:fld id="{208AF071-E2F8-4483-8BD5-62BB3A1A1F41}" type="datetimeFigureOut">
               <a:rPr lang="pt-PT" smtClean="0"/>
-              <a:t>2023-05-30</a:t>
+              <a:t>2023-06-03</a:t>
             </a:fld>
             <a:endParaRPr lang="pt-PT"/>
           </a:p>
@@ -882,7 +814,7 @@
           <a:p>
             <a:fld id="{208AF071-E2F8-4483-8BD5-62BB3A1A1F41}" type="datetimeFigureOut">
               <a:rPr lang="pt-PT" smtClean="0"/>
-              <a:t>2023-05-30</a:t>
+              <a:t>2023-06-03</a:t>
             </a:fld>
             <a:endParaRPr lang="pt-PT"/>
           </a:p>
@@ -1056,7 +988,7 @@
           <a:p>
             <a:fld id="{208AF071-E2F8-4483-8BD5-62BB3A1A1F41}" type="datetimeFigureOut">
               <a:rPr lang="pt-PT" smtClean="0"/>
-              <a:t>2023-05-30</a:t>
+              <a:t>2023-06-03</a:t>
             </a:fld>
             <a:endParaRPr lang="pt-PT"/>
           </a:p>
@@ -1399,7 +1331,7 @@
           <a:p>
             <a:fld id="{208AF071-E2F8-4483-8BD5-62BB3A1A1F41}" type="datetimeFigureOut">
               <a:rPr lang="pt-PT" smtClean="0"/>
-              <a:t>2023-05-30</a:t>
+              <a:t>2023-06-03</a:t>
             </a:fld>
             <a:endParaRPr lang="pt-PT"/>
           </a:p>
@@ -1674,7 +1606,7 @@
           <a:p>
             <a:fld id="{208AF071-E2F8-4483-8BD5-62BB3A1A1F41}" type="datetimeFigureOut">
               <a:rPr lang="pt-PT" smtClean="0"/>
-              <a:t>2023-05-30</a:t>
+              <a:t>2023-06-03</a:t>
             </a:fld>
             <a:endParaRPr lang="pt-PT"/>
           </a:p>
@@ -2053,7 +1985,7 @@
           <a:p>
             <a:fld id="{208AF071-E2F8-4483-8BD5-62BB3A1A1F41}" type="datetimeFigureOut">
               <a:rPr lang="pt-PT" smtClean="0"/>
-              <a:t>2023-05-30</a:t>
+              <a:t>2023-06-03</a:t>
             </a:fld>
             <a:endParaRPr lang="pt-PT"/>
           </a:p>
@@ -2171,7 +2103,7 @@
           <a:p>
             <a:fld id="{208AF071-E2F8-4483-8BD5-62BB3A1A1F41}" type="datetimeFigureOut">
               <a:rPr lang="pt-PT" smtClean="0"/>
-              <a:t>2023-05-30</a:t>
+              <a:t>2023-06-03</a:t>
             </a:fld>
             <a:endParaRPr lang="pt-PT"/>
           </a:p>
@@ -2342,7 +2274,7 @@
           <a:p>
             <a:fld id="{208AF071-E2F8-4483-8BD5-62BB3A1A1F41}" type="datetimeFigureOut">
               <a:rPr lang="pt-PT" smtClean="0"/>
-              <a:t>2023-05-30</a:t>
+              <a:t>2023-06-03</a:t>
             </a:fld>
             <a:endParaRPr lang="pt-PT"/>
           </a:p>
@@ -2696,7 +2628,7 @@
           <a:p>
             <a:fld id="{208AF071-E2F8-4483-8BD5-62BB3A1A1F41}" type="datetimeFigureOut">
               <a:rPr lang="pt-PT" smtClean="0"/>
-              <a:t>2023-05-30</a:t>
+              <a:t>2023-06-03</a:t>
             </a:fld>
             <a:endParaRPr lang="pt-PT"/>
           </a:p>
@@ -3078,7 +3010,7 @@
           <a:p>
             <a:fld id="{208AF071-E2F8-4483-8BD5-62BB3A1A1F41}" type="datetimeFigureOut">
               <a:rPr lang="pt-PT" smtClean="0"/>
-              <a:t>2023-05-30</a:t>
+              <a:t>2023-06-03</a:t>
             </a:fld>
             <a:endParaRPr lang="pt-PT"/>
           </a:p>
@@ -3365,7 +3297,7 @@
           <a:p>
             <a:fld id="{208AF071-E2F8-4483-8BD5-62BB3A1A1F41}" type="datetimeFigureOut">
               <a:rPr lang="pt-PT" smtClean="0"/>
-              <a:t>2023-05-30</a:t>
+              <a:t>2023-06-03</a:t>
             </a:fld>
             <a:endParaRPr lang="pt-PT"/>
           </a:p>
@@ -4179,7 +4111,43 @@
                 <a:ea typeface="Calibri" panose="020F0502020204030204" pitchFamily="34" charset="0"/>
                 <a:cs typeface="Times New Roman" panose="02020603050405020304" pitchFamily="18" charset="0"/>
               </a:rPr>
-              <a:t> Criar uma ferramenta de estatísticas das cores presentes e efetuar pequenas alterações nas imagens;</a:t>
+              <a:t> Criar uma ferramenta de estatística RGB de uma imagem (</a:t>
+            </a:r>
+            <a:r>
+              <a:rPr lang="pt-PT" kern="100" dirty="0" err="1">
+                <a:effectLst/>
+                <a:latin typeface="Calibri" panose="020F0502020204030204" pitchFamily="34" charset="0"/>
+                <a:ea typeface="Calibri" panose="020F0502020204030204" pitchFamily="34" charset="0"/>
+                <a:cs typeface="Times New Roman" panose="02020603050405020304" pitchFamily="18" charset="0"/>
+              </a:rPr>
+              <a:t>png</a:t>
+            </a:r>
+            <a:r>
+              <a:rPr lang="pt-PT" kern="100" dirty="0">
+                <a:effectLst/>
+                <a:latin typeface="Calibri" panose="020F0502020204030204" pitchFamily="34" charset="0"/>
+                <a:ea typeface="Calibri" panose="020F0502020204030204" pitchFamily="34" charset="0"/>
+                <a:cs typeface="Times New Roman" panose="02020603050405020304" pitchFamily="18" charset="0"/>
+              </a:rPr>
+              <a:t>, </a:t>
+            </a:r>
+            <a:r>
+              <a:rPr lang="pt-PT" kern="100" dirty="0" err="1">
+                <a:effectLst/>
+                <a:latin typeface="Calibri" panose="020F0502020204030204" pitchFamily="34" charset="0"/>
+                <a:ea typeface="Calibri" panose="020F0502020204030204" pitchFamily="34" charset="0"/>
+                <a:cs typeface="Times New Roman" panose="02020603050405020304" pitchFamily="18" charset="0"/>
+              </a:rPr>
+              <a:t>jpg</a:t>
+            </a:r>
+            <a:r>
+              <a:rPr lang="pt-PT" kern="100" dirty="0">
+                <a:effectLst/>
+                <a:latin typeface="Calibri" panose="020F0502020204030204" pitchFamily="34" charset="0"/>
+                <a:ea typeface="Calibri" panose="020F0502020204030204" pitchFamily="34" charset="0"/>
+                <a:cs typeface="Times New Roman" panose="02020603050405020304" pitchFamily="18" charset="0"/>
+              </a:rPr>
+              <a:t>,…);</a:t>
             </a:r>
           </a:p>
           <a:p>
@@ -4203,43 +4171,7 @@
                 <a:ea typeface="Calibri" panose="020F0502020204030204" pitchFamily="34" charset="0"/>
                 <a:cs typeface="Times New Roman" panose="02020603050405020304" pitchFamily="18" charset="0"/>
               </a:rPr>
-              <a:t> A interface da aplicação será em linha de comandos que terá como input o comando que se pretende (i.e., “</a:t>
-            </a:r>
-            <a:r>
-              <a:rPr lang="pt-PT" kern="100" dirty="0" err="1">
-                <a:effectLst/>
-                <a:latin typeface="Calibri" panose="020F0502020204030204" pitchFamily="34" charset="0"/>
-                <a:ea typeface="Calibri" panose="020F0502020204030204" pitchFamily="34" charset="0"/>
-                <a:cs typeface="Times New Roman" panose="02020603050405020304" pitchFamily="18" charset="0"/>
-              </a:rPr>
-              <a:t>get-stats</a:t>
-            </a:r>
-            <a:r>
-              <a:rPr lang="pt-PT" kern="100" dirty="0">
-                <a:effectLst/>
-                <a:latin typeface="Calibri" panose="020F0502020204030204" pitchFamily="34" charset="0"/>
-                <a:ea typeface="Calibri" panose="020F0502020204030204" pitchFamily="34" charset="0"/>
-                <a:cs typeface="Times New Roman" panose="02020603050405020304" pitchFamily="18" charset="0"/>
-              </a:rPr>
-              <a:t>” para tirar estatísticas de cor ou “</a:t>
-            </a:r>
-            <a:r>
-              <a:rPr lang="pt-PT" kern="100" dirty="0" err="1">
-                <a:effectLst/>
-                <a:latin typeface="Calibri" panose="020F0502020204030204" pitchFamily="34" charset="0"/>
-                <a:ea typeface="Calibri" panose="020F0502020204030204" pitchFamily="34" charset="0"/>
-                <a:cs typeface="Times New Roman" panose="02020603050405020304" pitchFamily="18" charset="0"/>
-              </a:rPr>
-              <a:t>blur</a:t>
-            </a:r>
-            <a:r>
-              <a:rPr lang="pt-PT" kern="100" dirty="0">
-                <a:effectLst/>
-                <a:latin typeface="Calibri" panose="020F0502020204030204" pitchFamily="34" charset="0"/>
-                <a:ea typeface="Calibri" panose="020F0502020204030204" pitchFamily="34" charset="0"/>
-                <a:cs typeface="Times New Roman" panose="02020603050405020304" pitchFamily="18" charset="0"/>
-              </a:rPr>
-              <a:t>” para tornar a imagem turva) e o caminho para a imagem; </a:t>
+              <a:t> A interface da aplicação será em linha de comandos que terá como input o comando que se pretende e o caminho para a imagem; </a:t>
             </a:r>
           </a:p>
           <a:p>
@@ -4271,7 +4203,24 @@
                 <a:ea typeface="Calibri" panose="020F0502020204030204" pitchFamily="34" charset="0"/>
                 <a:cs typeface="Times New Roman" panose="02020603050405020304" pitchFamily="18" charset="0"/>
               </a:rPr>
-              <a:t>O output gerado será dependente do comando: textual ou uma nova imagem com as alterações processadas.</a:t>
+              <a:t>O output gerado será </a:t>
+            </a:r>
+            <a:r>
+              <a:rPr lang="pt-PT" kern="100" dirty="0">
+                <a:latin typeface="Calibri" panose="020F0502020204030204" pitchFamily="34" charset="0"/>
+                <a:ea typeface="Calibri" panose="020F0502020204030204" pitchFamily="34" charset="0"/>
+                <a:cs typeface="Times New Roman" panose="02020603050405020304" pitchFamily="18" charset="0"/>
+              </a:rPr>
+              <a:t>a estatística em percentagem dos valores RGB</a:t>
+            </a:r>
+            <a:r>
+              <a:rPr lang="pt-PT" kern="100" dirty="0">
+                <a:effectLst/>
+                <a:latin typeface="Calibri" panose="020F0502020204030204" pitchFamily="34" charset="0"/>
+                <a:ea typeface="Calibri" panose="020F0502020204030204" pitchFamily="34" charset="0"/>
+                <a:cs typeface="Times New Roman" panose="02020603050405020304" pitchFamily="18" charset="0"/>
+              </a:rPr>
+              <a:t>.</a:t>
             </a:r>
           </a:p>
           <a:p>
@@ -4289,11 +4238,6 @@
   <p:clrMapOvr>
     <a:masterClrMapping/>
   </p:clrMapOvr>
-  <p:extLst>
-    <p:ext uri="{6950BFC3-D8DA-4A85-94F7-54DA5524770B}">
-      <p188:commentRel xmlns:p188="http://schemas.microsoft.com/office/powerpoint/2018/8/main" r:id="rId2"/>
-    </p:ext>
-  </p:extLst>
 </p:sld>
 </file>
 
@@ -4397,7 +4341,7 @@
               <a:buNone/>
             </a:pPr>
             <a:r>
-              <a:rPr lang="pt-BR" sz="1800" b="0" i="0" u="none" strike="noStrike" cap="none">
+              <a:rPr lang="pt-BR" sz="1800" b="0" i="0" u="none" strike="noStrike" cap="none" dirty="0" err="1">
                 <a:solidFill>
                   <a:schemeClr val="lt1"/>
                 </a:solidFill>
@@ -4406,9 +4350,9 @@
                 <a:cs typeface="Avenir"/>
                 <a:sym typeface="Avenir"/>
               </a:rPr>
-              <a:t>View</a:t>
-            </a:r>
-            <a:endParaRPr/>
+              <a:t>View.cs</a:t>
+            </a:r>
+            <a:endParaRPr dirty="0"/>
           </a:p>
         </p:txBody>
       </p:sp>
@@ -4463,7 +4407,7 @@
               <a:buNone/>
             </a:pPr>
             <a:r>
-              <a:rPr lang="pt-BR" sz="1800" b="0" i="0" u="none" strike="noStrike" cap="none" dirty="0">
+              <a:rPr lang="pt-BR" sz="1800" b="0" i="0" u="none" strike="noStrike" cap="none" dirty="0" err="1">
                 <a:solidFill>
                   <a:schemeClr val="lt1"/>
                 </a:solidFill>
@@ -4472,7 +4416,7 @@
                 <a:cs typeface="Avenir"/>
                 <a:sym typeface="Avenir"/>
               </a:rPr>
-              <a:t>Controller</a:t>
+              <a:t>Controller.cs</a:t>
             </a:r>
             <a:endParaRPr dirty="0"/>
           </a:p>
@@ -4533,7 +4477,7 @@
               <a:buNone/>
             </a:pPr>
             <a:r>
-              <a:rPr lang="pt-BR" sz="1800" b="0" i="0" u="none" strike="noStrike" cap="none" dirty="0">
+              <a:rPr lang="pt-BR" sz="1800" b="0" i="0" u="none" strike="noStrike" cap="none" dirty="0" err="1">
                 <a:solidFill>
                   <a:schemeClr val="lt1"/>
                 </a:solidFill>
@@ -4542,7 +4486,7 @@
                 <a:cs typeface="Avenir"/>
                 <a:sym typeface="Avenir"/>
               </a:rPr>
-              <a:t>Model</a:t>
+              <a:t>Model.cs</a:t>
             </a:r>
             <a:endParaRPr dirty="0"/>
           </a:p>
@@ -4563,7 +4507,7 @@
         <p:spPr>
           <a:xfrm>
             <a:off x="4888820" y="2871280"/>
-            <a:ext cx="3035980" cy="3416320"/>
+            <a:ext cx="3035980" cy="2031325"/>
           </a:xfrm>
           <a:prstGeom prst="rect">
             <a:avLst/>
@@ -4600,15 +4544,7 @@
             </a:pPr>
             <a:r>
               <a:rPr lang="pt-PT" dirty="0"/>
-              <a:t>Imprime um </a:t>
-            </a:r>
-            <a:r>
-              <a:rPr lang="pt-PT" dirty="0" err="1"/>
-              <a:t>prompt</a:t>
-            </a:r>
-            <a:r>
-              <a:rPr lang="pt-PT" dirty="0"/>
-              <a:t> que solicita ao utilizador para inserir o comando;</a:t>
+              <a:t>Mensagem de erro;</a:t>
             </a:r>
           </a:p>
           <a:p>
@@ -4618,7 +4554,7 @@
             </a:pPr>
             <a:r>
               <a:rPr lang="pt-PT" dirty="0"/>
-              <a:t>Mensagem de erro;</a:t>
+              <a:t>Imprime mensagem com instruções;</a:t>
             </a:r>
           </a:p>
           <a:p>
@@ -4628,35 +4564,7 @@
             </a:pPr>
             <a:r>
               <a:rPr lang="pt-PT" dirty="0"/>
-              <a:t>Mensagem de despedida;</a:t>
-            </a:r>
-          </a:p>
-          <a:p>
-            <a:pPr marL="285750" indent="-285750" algn="just">
-              <a:buFont typeface="Wingdings" panose="05000000000000000000" pitchFamily="2" charset="2"/>
-              <a:buChar char="§"/>
-            </a:pPr>
-            <a:r>
-              <a:rPr lang="pt-PT" dirty="0"/>
-              <a:t>Imprime mensagem com instruções;</a:t>
-            </a:r>
-          </a:p>
-          <a:p>
-            <a:pPr marL="285750" indent="-285750" algn="just">
-              <a:buFont typeface="Wingdings" panose="05000000000000000000" pitchFamily="2" charset="2"/>
-              <a:buChar char="§"/>
-            </a:pPr>
-            <a:r>
-              <a:rPr lang="pt-PT" dirty="0"/>
-              <a:t>Mostra estatísticas ou </a:t>
-            </a:r>
-            <a:r>
-              <a:rPr lang="pt-PT" dirty="0" err="1"/>
-              <a:t>path</a:t>
-            </a:r>
-            <a:r>
-              <a:rPr lang="pt-PT" dirty="0"/>
-              <a:t> para a imagem alterada.</a:t>
+              <a:t>Mostra estatísticas RGB.</a:t>
             </a:r>
           </a:p>
         </p:txBody>
@@ -4831,11 +4739,6 @@
   <p:clrMapOvr>
     <a:masterClrMapping/>
   </p:clrMapOvr>
-  <p:extLst>
-    <p:ext uri="{6950BFC3-D8DA-4A85-94F7-54DA5524770B}">
-      <p188:commentRel xmlns:p188="http://schemas.microsoft.com/office/powerpoint/2018/8/main" r:id="rId2"/>
-    </p:ext>
-  </p:extLst>
 </p:sld>
 </file>
 
@@ -5095,7 +4998,24 @@
                 <a:ea typeface="Times New Roman" panose="02020603050405020304" pitchFamily="18" charset="0"/>
                 <a:cs typeface="Times New Roman" panose="02020603050405020304" pitchFamily="18" charset="0"/>
               </a:rPr>
-              <a:t>: Método </a:t>
+              <a:t>: </a:t>
+            </a:r>
+          </a:p>
+          <a:p>
+            <a:pPr lvl="1">
+              <a:buFont typeface="Wingdings" panose="05000000000000000000" pitchFamily="2" charset="2"/>
+              <a:buChar char="§"/>
+            </a:pPr>
+            <a:r>
+              <a:rPr lang="pt-PT" kern="0" dirty="0">
+                <a:solidFill>
+                  <a:srgbClr val="1D2125"/>
+                </a:solidFill>
+                <a:effectLst/>
+                <a:ea typeface="Times New Roman" panose="02020603050405020304" pitchFamily="18" charset="0"/>
+                <a:cs typeface="Times New Roman" panose="02020603050405020304" pitchFamily="18" charset="0"/>
+              </a:rPr>
+              <a:t>Método </a:t>
             </a:r>
             <a:r>
               <a:rPr lang="pt-PT" kern="0" dirty="0" err="1">
@@ -5156,7 +5076,7 @@
                 <a:ea typeface="Times New Roman" panose="02020603050405020304" pitchFamily="18" charset="0"/>
                 <a:cs typeface="Times New Roman" panose="02020603050405020304" pitchFamily="18" charset="0"/>
               </a:rPr>
-              <a:t>PrecisodasInstrucoes</a:t>
+              <a:t>OnInstructionsNeeded</a:t>
             </a:r>
             <a:r>
               <a:rPr lang="pt-PT" kern="0" dirty="0">
@@ -5186,7 +5106,23 @@
                 <a:ea typeface="Times New Roman" panose="02020603050405020304" pitchFamily="18" charset="0"/>
                 <a:cs typeface="Times New Roman" panose="02020603050405020304" pitchFamily="18" charset="0"/>
               </a:rPr>
-              <a:t>, sem que nenhum tenha conhecimento disso e Método </a:t>
+              <a:t>, sem que nenhum tenha conhecimento disso; </a:t>
+            </a:r>
+          </a:p>
+          <a:p>
+            <a:pPr lvl="1">
+              <a:buFont typeface="Wingdings" panose="05000000000000000000" pitchFamily="2" charset="2"/>
+              <a:buChar char="§"/>
+            </a:pPr>
+            <a:r>
+              <a:rPr lang="pt-PT" kern="0" dirty="0">
+                <a:solidFill>
+                  <a:srgbClr val="1D2125"/>
+                </a:solidFill>
+                <a:ea typeface="Times New Roman" panose="02020603050405020304" pitchFamily="18" charset="0"/>
+                <a:cs typeface="Times New Roman" panose="02020603050405020304" pitchFamily="18" charset="0"/>
+              </a:rPr>
+              <a:t>Método </a:t>
             </a:r>
             <a:r>
               <a:rPr lang="pt-PT" kern="0" dirty="0" err="1">
@@ -5267,6 +5203,69 @@
                 <a:cs typeface="Times New Roman" panose="02020603050405020304" pitchFamily="18" charset="0"/>
               </a:rPr>
               <a:t>.</a:t>
+            </a:r>
+          </a:p>
+          <a:p>
+            <a:pPr>
+              <a:buFont typeface="Wingdings" panose="05000000000000000000" pitchFamily="2" charset="2"/>
+              <a:buChar char="§"/>
+            </a:pPr>
+            <a:endParaRPr lang="pt-PT" kern="0" dirty="0">
+              <a:solidFill>
+                <a:srgbClr val="1D2125"/>
+              </a:solidFill>
+              <a:effectLst/>
+              <a:latin typeface="Verdana" panose="020B0604030504040204" pitchFamily="34" charset="0"/>
+              <a:ea typeface="Times New Roman" panose="02020603050405020304" pitchFamily="18" charset="0"/>
+              <a:cs typeface="Times New Roman" panose="02020603050405020304" pitchFamily="18" charset="0"/>
+            </a:endParaRPr>
+          </a:p>
+          <a:p>
+            <a:pPr>
+              <a:buFont typeface="Wingdings" panose="05000000000000000000" pitchFamily="2" charset="2"/>
+              <a:buChar char="§"/>
+            </a:pPr>
+            <a:r>
+              <a:rPr lang="pt-PT" kern="0" dirty="0">
+                <a:solidFill>
+                  <a:srgbClr val="1D2125"/>
+                </a:solidFill>
+                <a:effectLst/>
+                <a:ea typeface="Times New Roman" panose="02020603050405020304" pitchFamily="18" charset="0"/>
+                <a:cs typeface="Times New Roman" panose="02020603050405020304" pitchFamily="18" charset="0"/>
+              </a:rPr>
+              <a:t> </a:t>
+            </a:r>
+            <a:r>
+              <a:rPr lang="pt-PT" kern="0" dirty="0">
+                <a:solidFill>
+                  <a:srgbClr val="1D2125"/>
+                </a:solidFill>
+                <a:ea typeface="Times New Roman" panose="02020603050405020304" pitchFamily="18" charset="0"/>
+                <a:cs typeface="Times New Roman" panose="02020603050405020304" pitchFamily="18" charset="0"/>
+              </a:rPr>
+              <a:t>N</a:t>
+            </a:r>
+            <a:r>
+              <a:rPr lang="pt-PT" kern="0" dirty="0">
+                <a:solidFill>
+                  <a:srgbClr val="1D2125"/>
+                </a:solidFill>
+                <a:effectLst/>
+                <a:ea typeface="Times New Roman" panose="02020603050405020304" pitchFamily="18" charset="0"/>
+                <a:cs typeface="Times New Roman" panose="02020603050405020304" pitchFamily="18" charset="0"/>
+              </a:rPr>
+              <a:t>ão existe</a:t>
+            </a:r>
+            <a:r>
+              <a:rPr lang="pt-PT" kern="0" dirty="0">
+                <a:solidFill>
+                  <a:srgbClr val="1D2125"/>
+                </a:solidFill>
+                <a:ea typeface="Times New Roman" panose="02020603050405020304" pitchFamily="18" charset="0"/>
+                <a:cs typeface="Times New Roman" panose="02020603050405020304" pitchFamily="18" charset="0"/>
+              </a:rPr>
+              <a:t>m eventos /delegados entre a aplicação e a API escolhida.</a:t>
             </a:r>
             <a:br>
               <a:rPr lang="pt-PT" kern="0" dirty="0">
@@ -5960,7 +5959,59 @@
           <a:bodyPr/>
           <a:lstStyle/>
           <a:p>
-            <a:endParaRPr lang="pt-PT"/>
+            <a:r>
+              <a:rPr lang="pt-PT" dirty="0"/>
+              <a:t>Baixo </a:t>
+            </a:r>
+            <a:r>
+              <a:rPr lang="pt-PT" dirty="0" err="1"/>
+              <a:t>acomplamento</a:t>
+            </a:r>
+            <a:r>
+              <a:rPr lang="pt-PT" dirty="0"/>
+              <a:t> – na nossa API foram identificadas cinco dependências entre componentes;</a:t>
+            </a:r>
+          </a:p>
+          <a:p>
+            <a:endParaRPr lang="pt-PT" dirty="0"/>
+          </a:p>
+          <a:p>
+            <a:r>
+              <a:rPr lang="pt-PT" dirty="0"/>
+              <a:t>Interfaces – a criação das interfaces </a:t>
+            </a:r>
+            <a:r>
+              <a:rPr lang="pt-PT" dirty="0" err="1"/>
+              <a:t>IModel</a:t>
+            </a:r>
+            <a:r>
+              <a:rPr lang="pt-PT" dirty="0"/>
+              <a:t> e </a:t>
+            </a:r>
+            <a:r>
+              <a:rPr lang="pt-PT" dirty="0" err="1"/>
+              <a:t>IView</a:t>
+            </a:r>
+            <a:r>
+              <a:rPr lang="pt-PT" dirty="0"/>
+              <a:t> permitem que a aplicação use diferentes tipos de aplicação do </a:t>
+            </a:r>
+            <a:r>
+              <a:rPr lang="pt-PT" dirty="0" err="1"/>
+              <a:t>Model</a:t>
+            </a:r>
+            <a:r>
+              <a:rPr lang="pt-PT" dirty="0"/>
+              <a:t> e do </a:t>
+            </a:r>
+            <a:r>
+              <a:rPr lang="pt-PT" dirty="0" err="1"/>
+              <a:t>View</a:t>
+            </a:r>
+            <a:r>
+              <a:rPr lang="pt-PT" dirty="0"/>
+              <a:t>, caso seja necessário além das próprias interfaces servirem de documentação e contrato entre os vários componentes.</a:t>
+            </a:r>
           </a:p>
         </p:txBody>
       </p:sp>
@@ -6054,7 +6105,60 @@
           <a:bodyPr/>
           <a:lstStyle/>
           <a:p>
-            <a:endParaRPr lang="pt-PT"/>
+            <a:r>
+              <a:rPr lang="pt-PT" dirty="0"/>
+              <a:t> poderia aceitar mais comandos, por exemplo um para tornar a imagem “turva”</a:t>
+            </a:r>
+          </a:p>
+          <a:p>
+            <a:endParaRPr lang="pt-PT" dirty="0"/>
+          </a:p>
+          <a:p>
+            <a:r>
+              <a:rPr lang="pt-PT" dirty="0"/>
+              <a:t>Criado intervalo de luminosidade para definir as cores </a:t>
+            </a:r>
+          </a:p>
+          <a:p>
+            <a:pPr lvl="1"/>
+            <a:r>
+              <a:rPr lang="pt-PT" dirty="0" err="1"/>
+              <a:t>red</a:t>
+            </a:r>
+            <a:r>
+              <a:rPr lang="pt-PT" dirty="0"/>
+              <a:t> (R:100-255 ; G:0-100;  B:0-100);</a:t>
+            </a:r>
+          </a:p>
+          <a:p>
+            <a:pPr lvl="1"/>
+            <a:r>
+              <a:rPr lang="pt-PT" dirty="0"/>
+              <a:t>green (R:0-100 ; G: 100-255;  B:0-100);</a:t>
+            </a:r>
+          </a:p>
+          <a:p>
+            <a:pPr lvl="1"/>
+            <a:r>
+              <a:rPr lang="pt-PT" dirty="0" err="1"/>
+              <a:t>blue</a:t>
+            </a:r>
+            <a:r>
+              <a:rPr lang="pt-PT" dirty="0"/>
+              <a:t> (R</a:t>
+            </a:r>
+            <a:r>
+              <a:rPr lang="pt-PT"/>
+              <a:t>:0-100 </a:t>
+            </a:r>
+            <a:r>
+              <a:rPr lang="pt-PT" dirty="0"/>
+              <a:t>; G:0-100;  B: 100-255);</a:t>
+            </a:r>
+          </a:p>
+          <a:p>
+            <a:pPr lvl="1"/>
+            <a:endParaRPr lang="pt-PT" dirty="0"/>
           </a:p>
         </p:txBody>
       </p:sp>

--- a/Apresentação da aplicação demonstradora de análise e edição de imagens.pptx
+++ b/Apresentação da aplicação demonstradora de análise e edição de imagens.pptx
@@ -118,12 +118,6 @@
 </p:presentation>
 </file>
 
-<file path=ppt/authors.xml><?xml version="1.0" encoding="utf-8"?>
-<p188:authorLst xmlns:a="http://schemas.openxmlformats.org/drawingml/2006/main" xmlns:r="http://schemas.openxmlformats.org/officeDocument/2006/relationships" xmlns:p188="http://schemas.microsoft.com/office/powerpoint/2018/8/main">
-  <p188:author id="{CC16FB7C-E6BF-E08C-9869-FAAC94A58206}" name="Luís Miguel Santos" initials="LS" userId="91fbdb63a866c617" providerId="Windows Live"/>
-</p188:authorLst>
-</file>
-
 <file path=ppt/slideLayouts/slideLayout1.xml><?xml version="1.0" encoding="utf-8"?>
 <p:sldLayout xmlns:a="http://schemas.openxmlformats.org/drawingml/2006/main" xmlns:r="http://schemas.openxmlformats.org/officeDocument/2006/relationships" xmlns:p="http://schemas.openxmlformats.org/presentationml/2006/main" showMasterSp="0" type="title" preserve="1">
   <p:cSld name="Diapositivo de Título">
@@ -350,7 +344,7 @@
           <a:p>
             <a:fld id="{208AF071-E2F8-4483-8BD5-62BB3A1A1F41}" type="datetimeFigureOut">
               <a:rPr lang="pt-PT" smtClean="0"/>
-              <a:t>2023-06-03</a:t>
+              <a:t>03/06/2023</a:t>
             </a:fld>
             <a:endParaRPr lang="pt-PT"/>
           </a:p>
@@ -392,7 +386,7 @@
           <a:p>
             <a:fld id="{44362CB0-C861-43FA-9DF9-6CD3CE9CE491}" type="slidenum">
               <a:rPr lang="pt-PT" smtClean="0"/>
-              <a:t>‹#›</a:t>
+              <a:t>‹nº›</a:t>
             </a:fld>
             <a:endParaRPr lang="pt-PT"/>
           </a:p>
@@ -558,7 +552,7 @@
           <a:p>
             <a:fld id="{208AF071-E2F8-4483-8BD5-62BB3A1A1F41}" type="datetimeFigureOut">
               <a:rPr lang="pt-PT" smtClean="0"/>
-              <a:t>2023-06-03</a:t>
+              <a:t>03/06/2023</a:t>
             </a:fld>
             <a:endParaRPr lang="pt-PT"/>
           </a:p>
@@ -600,7 +594,7 @@
           <a:p>
             <a:fld id="{44362CB0-C861-43FA-9DF9-6CD3CE9CE491}" type="slidenum">
               <a:rPr lang="pt-PT" smtClean="0"/>
-              <a:t>‹#›</a:t>
+              <a:t>‹nº›</a:t>
             </a:fld>
             <a:endParaRPr lang="pt-PT"/>
           </a:p>
@@ -814,7 +808,7 @@
           <a:p>
             <a:fld id="{208AF071-E2F8-4483-8BD5-62BB3A1A1F41}" type="datetimeFigureOut">
               <a:rPr lang="pt-PT" smtClean="0"/>
-              <a:t>2023-06-03</a:t>
+              <a:t>03/06/2023</a:t>
             </a:fld>
             <a:endParaRPr lang="pt-PT"/>
           </a:p>
@@ -856,7 +850,7 @@
           <a:p>
             <a:fld id="{44362CB0-C861-43FA-9DF9-6CD3CE9CE491}" type="slidenum">
               <a:rPr lang="pt-PT" smtClean="0"/>
-              <a:t>‹#›</a:t>
+              <a:t>‹nº›</a:t>
             </a:fld>
             <a:endParaRPr lang="pt-PT"/>
           </a:p>
@@ -988,7 +982,7 @@
           <a:p>
             <a:fld id="{208AF071-E2F8-4483-8BD5-62BB3A1A1F41}" type="datetimeFigureOut">
               <a:rPr lang="pt-PT" smtClean="0"/>
-              <a:t>2023-06-03</a:t>
+              <a:t>03/06/2023</a:t>
             </a:fld>
             <a:endParaRPr lang="pt-PT"/>
           </a:p>
@@ -1030,7 +1024,7 @@
           <a:p>
             <a:fld id="{44362CB0-C861-43FA-9DF9-6CD3CE9CE491}" type="slidenum">
               <a:rPr lang="pt-PT" smtClean="0"/>
-              <a:t>‹#›</a:t>
+              <a:t>‹nº›</a:t>
             </a:fld>
             <a:endParaRPr lang="pt-PT"/>
           </a:p>
@@ -1331,7 +1325,7 @@
           <a:p>
             <a:fld id="{208AF071-E2F8-4483-8BD5-62BB3A1A1F41}" type="datetimeFigureOut">
               <a:rPr lang="pt-PT" smtClean="0"/>
-              <a:t>2023-06-03</a:t>
+              <a:t>03/06/2023</a:t>
             </a:fld>
             <a:endParaRPr lang="pt-PT"/>
           </a:p>
@@ -1373,7 +1367,7 @@
           <a:p>
             <a:fld id="{44362CB0-C861-43FA-9DF9-6CD3CE9CE491}" type="slidenum">
               <a:rPr lang="pt-PT" smtClean="0"/>
-              <a:t>‹#›</a:t>
+              <a:t>‹nº›</a:t>
             </a:fld>
             <a:endParaRPr lang="pt-PT"/>
           </a:p>
@@ -1606,7 +1600,7 @@
           <a:p>
             <a:fld id="{208AF071-E2F8-4483-8BD5-62BB3A1A1F41}" type="datetimeFigureOut">
               <a:rPr lang="pt-PT" smtClean="0"/>
-              <a:t>2023-06-03</a:t>
+              <a:t>03/06/2023</a:t>
             </a:fld>
             <a:endParaRPr lang="pt-PT"/>
           </a:p>
@@ -1648,7 +1642,7 @@
           <a:p>
             <a:fld id="{44362CB0-C861-43FA-9DF9-6CD3CE9CE491}" type="slidenum">
               <a:rPr lang="pt-PT" smtClean="0"/>
-              <a:t>‹#›</a:t>
+              <a:t>‹nº›</a:t>
             </a:fld>
             <a:endParaRPr lang="pt-PT"/>
           </a:p>
@@ -1985,7 +1979,7 @@
           <a:p>
             <a:fld id="{208AF071-E2F8-4483-8BD5-62BB3A1A1F41}" type="datetimeFigureOut">
               <a:rPr lang="pt-PT" smtClean="0"/>
-              <a:t>2023-06-03</a:t>
+              <a:t>03/06/2023</a:t>
             </a:fld>
             <a:endParaRPr lang="pt-PT"/>
           </a:p>
@@ -2027,7 +2021,7 @@
           <a:p>
             <a:fld id="{44362CB0-C861-43FA-9DF9-6CD3CE9CE491}" type="slidenum">
               <a:rPr lang="pt-PT" smtClean="0"/>
-              <a:t>‹#›</a:t>
+              <a:t>‹nº›</a:t>
             </a:fld>
             <a:endParaRPr lang="pt-PT"/>
           </a:p>
@@ -2103,7 +2097,7 @@
           <a:p>
             <a:fld id="{208AF071-E2F8-4483-8BD5-62BB3A1A1F41}" type="datetimeFigureOut">
               <a:rPr lang="pt-PT" smtClean="0"/>
-              <a:t>2023-06-03</a:t>
+              <a:t>03/06/2023</a:t>
             </a:fld>
             <a:endParaRPr lang="pt-PT"/>
           </a:p>
@@ -2145,7 +2139,7 @@
           <a:p>
             <a:fld id="{44362CB0-C861-43FA-9DF9-6CD3CE9CE491}" type="slidenum">
               <a:rPr lang="pt-PT" smtClean="0"/>
-              <a:t>‹#›</a:t>
+              <a:t>‹nº›</a:t>
             </a:fld>
             <a:endParaRPr lang="pt-PT"/>
           </a:p>
@@ -2274,7 +2268,7 @@
           <a:p>
             <a:fld id="{208AF071-E2F8-4483-8BD5-62BB3A1A1F41}" type="datetimeFigureOut">
               <a:rPr lang="pt-PT" smtClean="0"/>
-              <a:t>2023-06-03</a:t>
+              <a:t>03/06/2023</a:t>
             </a:fld>
             <a:endParaRPr lang="pt-PT"/>
           </a:p>
@@ -2324,7 +2318,7 @@
           <a:p>
             <a:fld id="{44362CB0-C861-43FA-9DF9-6CD3CE9CE491}" type="slidenum">
               <a:rPr lang="pt-PT" smtClean="0"/>
-              <a:t>‹#›</a:t>
+              <a:t>‹nº›</a:t>
             </a:fld>
             <a:endParaRPr lang="pt-PT"/>
           </a:p>
@@ -2628,7 +2622,7 @@
           <a:p>
             <a:fld id="{208AF071-E2F8-4483-8BD5-62BB3A1A1F41}" type="datetimeFigureOut">
               <a:rPr lang="pt-PT" smtClean="0"/>
-              <a:t>2023-06-03</a:t>
+              <a:t>03/06/2023</a:t>
             </a:fld>
             <a:endParaRPr lang="pt-PT"/>
           </a:p>
@@ -2691,7 +2685,7 @@
           <a:p>
             <a:fld id="{44362CB0-C861-43FA-9DF9-6CD3CE9CE491}" type="slidenum">
               <a:rPr lang="pt-PT" smtClean="0"/>
-              <a:t>‹#›</a:t>
+              <a:t>‹nº›</a:t>
             </a:fld>
             <a:endParaRPr lang="pt-PT"/>
           </a:p>
@@ -3010,7 +3004,7 @@
           <a:p>
             <a:fld id="{208AF071-E2F8-4483-8BD5-62BB3A1A1F41}" type="datetimeFigureOut">
               <a:rPr lang="pt-PT" smtClean="0"/>
-              <a:t>2023-06-03</a:t>
+              <a:t>03/06/2023</a:t>
             </a:fld>
             <a:endParaRPr lang="pt-PT"/>
           </a:p>
@@ -3052,7 +3046,7 @@
           <a:p>
             <a:fld id="{44362CB0-C861-43FA-9DF9-6CD3CE9CE491}" type="slidenum">
               <a:rPr lang="pt-PT" smtClean="0"/>
-              <a:t>‹#›</a:t>
+              <a:t>‹nº›</a:t>
             </a:fld>
             <a:endParaRPr lang="pt-PT"/>
           </a:p>
@@ -3297,7 +3291,7 @@
           <a:p>
             <a:fld id="{208AF071-E2F8-4483-8BD5-62BB3A1A1F41}" type="datetimeFigureOut">
               <a:rPr lang="pt-PT" smtClean="0"/>
-              <a:t>2023-06-03</a:t>
+              <a:t>03/06/2023</a:t>
             </a:fld>
             <a:endParaRPr lang="pt-PT"/>
           </a:p>
@@ -3371,7 +3365,7 @@
           <a:p>
             <a:fld id="{44362CB0-C861-43FA-9DF9-6CD3CE9CE491}" type="slidenum">
               <a:rPr lang="pt-PT" smtClean="0"/>
-              <a:t>‹#›</a:t>
+              <a:t>‹nº›</a:t>
             </a:fld>
             <a:endParaRPr lang="pt-PT"/>
           </a:p>
@@ -4147,7 +4141,7 @@
                 <a:ea typeface="Calibri" panose="020F0502020204030204" pitchFamily="34" charset="0"/>
                 <a:cs typeface="Times New Roman" panose="02020603050405020304" pitchFamily="18" charset="0"/>
               </a:rPr>
-              <a:t>,…);</a:t>
+              <a:t>, etc.);</a:t>
             </a:r>
           </a:p>
           <a:p>
@@ -4203,7 +4197,7 @@
                 <a:ea typeface="Calibri" panose="020F0502020204030204" pitchFamily="34" charset="0"/>
                 <a:cs typeface="Times New Roman" panose="02020603050405020304" pitchFamily="18" charset="0"/>
               </a:rPr>
-              <a:t>O output gerado será </a:t>
+              <a:t>O output gerado será a estat</a:t>
             </a:r>
             <a:r>
               <a:rPr lang="pt-PT" kern="100" dirty="0">
@@ -4211,17 +4205,14 @@
                 <a:ea typeface="Calibri" panose="020F0502020204030204" pitchFamily="34" charset="0"/>
                 <a:cs typeface="Times New Roman" panose="02020603050405020304" pitchFamily="18" charset="0"/>
               </a:rPr>
-              <a:t>a estatística em percentagem dos valores RGB</a:t>
-            </a:r>
-            <a:r>
-              <a:rPr lang="pt-PT" kern="100" dirty="0">
-                <a:effectLst/>
-                <a:latin typeface="Calibri" panose="020F0502020204030204" pitchFamily="34" charset="0"/>
-                <a:ea typeface="Calibri" panose="020F0502020204030204" pitchFamily="34" charset="0"/>
-                <a:cs typeface="Times New Roman" panose="02020603050405020304" pitchFamily="18" charset="0"/>
-              </a:rPr>
-              <a:t>.</a:t>
-            </a:r>
+              <a:t>ística em percentagem dos valores RGB.</a:t>
+            </a:r>
+            <a:endParaRPr lang="pt-PT" kern="100" dirty="0">
+              <a:effectLst/>
+              <a:latin typeface="Calibri" panose="020F0502020204030204" pitchFamily="34" charset="0"/>
+              <a:ea typeface="Calibri" panose="020F0502020204030204" pitchFamily="34" charset="0"/>
+              <a:cs typeface="Times New Roman" panose="02020603050405020304" pitchFamily="18" charset="0"/>
+            </a:endParaRPr>
           </a:p>
           <a:p>
             <a:endParaRPr lang="pt-PT" dirty="0"/>
@@ -4341,7 +4332,7 @@
               <a:buNone/>
             </a:pPr>
             <a:r>
-              <a:rPr lang="pt-BR" sz="1800" b="0" i="0" u="none" strike="noStrike" cap="none" dirty="0" err="1">
+              <a:rPr lang="pt-BR" sz="1800" b="0" i="0" u="none" strike="noStrike" cap="none">
                 <a:solidFill>
                   <a:schemeClr val="lt1"/>
                 </a:solidFill>
@@ -4350,9 +4341,9 @@
                 <a:cs typeface="Avenir"/>
                 <a:sym typeface="Avenir"/>
               </a:rPr>
-              <a:t>View.cs</a:t>
-            </a:r>
-            <a:endParaRPr dirty="0"/>
+              <a:t>View</a:t>
+            </a:r>
+            <a:endParaRPr/>
           </a:p>
         </p:txBody>
       </p:sp>
@@ -4407,7 +4398,7 @@
               <a:buNone/>
             </a:pPr>
             <a:r>
-              <a:rPr lang="pt-BR" sz="1800" b="0" i="0" u="none" strike="noStrike" cap="none" dirty="0" err="1">
+              <a:rPr lang="pt-BR" sz="1800" b="0" i="0" u="none" strike="noStrike" cap="none" dirty="0">
                 <a:solidFill>
                   <a:schemeClr val="lt1"/>
                 </a:solidFill>
@@ -4416,7 +4407,7 @@
                 <a:cs typeface="Avenir"/>
                 <a:sym typeface="Avenir"/>
               </a:rPr>
-              <a:t>Controller.cs</a:t>
+              <a:t>Controller</a:t>
             </a:r>
             <a:endParaRPr dirty="0"/>
           </a:p>
@@ -4477,7 +4468,7 @@
               <a:buNone/>
             </a:pPr>
             <a:r>
-              <a:rPr lang="pt-BR" sz="1800" b="0" i="0" u="none" strike="noStrike" cap="none" dirty="0" err="1">
+              <a:rPr lang="pt-BR" sz="1800" b="0" i="0" u="none" strike="noStrike" cap="none" dirty="0">
                 <a:solidFill>
                   <a:schemeClr val="lt1"/>
                 </a:solidFill>
@@ -4486,7 +4477,7 @@
                 <a:cs typeface="Avenir"/>
                 <a:sym typeface="Avenir"/>
               </a:rPr>
-              <a:t>Model.cs</a:t>
+              <a:t>Model</a:t>
             </a:r>
             <a:endParaRPr dirty="0"/>
           </a:p>
@@ -4507,7 +4498,7 @@
         <p:spPr>
           <a:xfrm>
             <a:off x="4888820" y="2871280"/>
-            <a:ext cx="3035980" cy="2031325"/>
+            <a:ext cx="3035980" cy="1754326"/>
           </a:xfrm>
           <a:prstGeom prst="rect">
             <a:avLst/>
@@ -4526,7 +4517,7 @@
             </a:pPr>
             <a:r>
               <a:rPr lang="pt-PT" dirty="0"/>
-              <a:t>Quando este método é chamado, lança um evento “</a:t>
+              <a:t>Lança um evento “</a:t>
             </a:r>
             <a:r>
               <a:rPr lang="pt-PT" dirty="0" err="1"/>
@@ -4814,7 +4805,7 @@
         </p:nvSpPr>
         <p:spPr>
           <a:xfrm>
-            <a:off x="1097280" y="2188634"/>
+            <a:off x="1202055" y="2112434"/>
             <a:ext cx="10285095" cy="4023360"/>
           </a:xfrm>
         </p:spPr>
@@ -4829,7 +4820,7 @@
               <a:buChar char="§"/>
             </a:pPr>
             <a:r>
-              <a:rPr lang="pt-PT" sz="2200" kern="0" dirty="0">
+              <a:rPr lang="pt-PT" kern="0" dirty="0">
                 <a:solidFill>
                   <a:srgbClr val="1D2125"/>
                 </a:solidFill>
@@ -4837,18 +4828,7 @@
                 <a:ea typeface="Times New Roman" panose="02020603050405020304" pitchFamily="18" charset="0"/>
                 <a:cs typeface="Times New Roman" panose="02020603050405020304" pitchFamily="18" charset="0"/>
               </a:rPr>
-              <a:t> </a:t>
-            </a:r>
-            <a:r>
-              <a:rPr lang="pt-PT" kern="0" dirty="0">
-                <a:solidFill>
-                  <a:srgbClr val="1D2125"/>
-                </a:solidFill>
-                <a:effectLst/>
-                <a:ea typeface="Times New Roman" panose="02020603050405020304" pitchFamily="18" charset="0"/>
-                <a:cs typeface="Times New Roman" panose="02020603050405020304" pitchFamily="18" charset="0"/>
-              </a:rPr>
-              <a:t>Implementamos a comunicação por eventos nos pontos de acoplamento </a:t>
+              <a:t> Implementamos a comunicação por eventos nos pontos de acoplamento </a:t>
             </a:r>
             <a:r>
               <a:rPr lang="pt-PT" kern="0" dirty="0" err="1">
@@ -5002,12 +4982,12 @@
             </a:r>
           </a:p>
           <a:p>
-            <a:pPr lvl="1">
-              <a:buFont typeface="Wingdings" panose="05000000000000000000" pitchFamily="2" charset="2"/>
-              <a:buChar char="§"/>
+            <a:pPr lvl="2">
+              <a:buFont typeface="Arial" panose="020B0604020202020204" pitchFamily="34" charset="0"/>
+              <a:buChar char="•"/>
             </a:pPr>
             <a:r>
-              <a:rPr lang="pt-PT" kern="0" dirty="0">
+              <a:rPr lang="pt-PT" sz="2000" kern="0" dirty="0">
                 <a:solidFill>
                   <a:srgbClr val="1D2125"/>
                 </a:solidFill>
@@ -5018,7 +4998,7 @@
               <a:t>Método </a:t>
             </a:r>
             <a:r>
-              <a:rPr lang="pt-PT" kern="0" dirty="0" err="1">
+              <a:rPr lang="pt-PT" sz="2000" kern="0" dirty="0" err="1">
                 <a:solidFill>
                   <a:srgbClr val="1D2125"/>
                 </a:solidFill>
@@ -5029,7 +5009,7 @@
               <a:t>List</a:t>
             </a:r>
             <a:r>
-              <a:rPr lang="pt-PT" kern="0" dirty="0" err="1">
+              <a:rPr lang="pt-PT" sz="2000" kern="0" dirty="0" err="1">
                 <a:solidFill>
                   <a:srgbClr val="1D2125"/>
                 </a:solidFill>
@@ -5039,7 +5019,7 @@
               <a:t>arComandos</a:t>
             </a:r>
             <a:r>
-              <a:rPr lang="pt-PT" kern="0" dirty="0">
+              <a:rPr lang="pt-PT" sz="2000" kern="0" dirty="0">
                 <a:solidFill>
                   <a:srgbClr val="1D2125"/>
                 </a:solidFill>
@@ -5049,7 +5029,7 @@
               <a:t>() do </a:t>
             </a:r>
             <a:r>
-              <a:rPr lang="pt-PT" kern="0" dirty="0" err="1">
+              <a:rPr lang="pt-PT" sz="2000" kern="0" dirty="0" err="1">
                 <a:solidFill>
                   <a:srgbClr val="1D2125"/>
                 </a:solidFill>
@@ -5059,7 +5039,7 @@
               <a:t>Model</a:t>
             </a:r>
             <a:r>
-              <a:rPr lang="pt-PT" kern="0" dirty="0">
+              <a:rPr lang="pt-PT" sz="2000" kern="0" dirty="0">
                 <a:solidFill>
                   <a:srgbClr val="1D2125"/>
                 </a:solidFill>
@@ -5069,7 +5049,7 @@
               <a:t> subscreve ao evento </a:t>
             </a:r>
             <a:r>
-              <a:rPr lang="pt-PT" kern="0" dirty="0" err="1">
+              <a:rPr lang="pt-PT" sz="2000" kern="0" dirty="0" err="1">
                 <a:solidFill>
                   <a:srgbClr val="1D2125"/>
                 </a:solidFill>
@@ -5079,7 +5059,7 @@
               <a:t>OnInstructionsNeeded</a:t>
             </a:r>
             <a:r>
-              <a:rPr lang="pt-PT" kern="0" dirty="0">
+              <a:rPr lang="pt-PT" sz="2000" kern="0" dirty="0">
                 <a:solidFill>
                   <a:srgbClr val="1D2125"/>
                 </a:solidFill>
@@ -5089,7 +5069,7 @@
               <a:t> da </a:t>
             </a:r>
             <a:r>
-              <a:rPr lang="pt-PT" kern="0" dirty="0" err="1">
+              <a:rPr lang="pt-PT" sz="2000" kern="0" dirty="0" err="1">
                 <a:solidFill>
                   <a:srgbClr val="1D2125"/>
                 </a:solidFill>
@@ -5099,23 +5079,23 @@
               <a:t>View</a:t>
             </a:r>
             <a:r>
-              <a:rPr lang="pt-PT" kern="0" dirty="0">
+              <a:rPr lang="pt-PT" sz="2000" kern="0" dirty="0">
                 <a:solidFill>
                   <a:srgbClr val="1D2125"/>
                 </a:solidFill>
                 <a:ea typeface="Times New Roman" panose="02020603050405020304" pitchFamily="18" charset="0"/>
                 <a:cs typeface="Times New Roman" panose="02020603050405020304" pitchFamily="18" charset="0"/>
               </a:rPr>
-              <a:t>, sem que nenhum tenha conhecimento disso; </a:t>
-            </a:r>
-          </a:p>
-          <a:p>
-            <a:pPr lvl="1">
-              <a:buFont typeface="Wingdings" panose="05000000000000000000" pitchFamily="2" charset="2"/>
-              <a:buChar char="§"/>
+              <a:t>, sem que nenhum tenha conhecimento disso;</a:t>
+            </a:r>
+          </a:p>
+          <a:p>
+            <a:pPr lvl="2">
+              <a:buFont typeface="Arial" panose="020B0604020202020204" pitchFamily="34" charset="0"/>
+              <a:buChar char="•"/>
             </a:pPr>
             <a:r>
-              <a:rPr lang="pt-PT" kern="0" dirty="0">
+              <a:rPr lang="pt-PT" sz="2000" kern="0" dirty="0">
                 <a:solidFill>
                   <a:srgbClr val="1D2125"/>
                 </a:solidFill>
@@ -5125,7 +5105,7 @@
               <a:t>Método </a:t>
             </a:r>
             <a:r>
-              <a:rPr lang="pt-PT" kern="0" dirty="0" err="1">
+              <a:rPr lang="pt-PT" sz="2000" kern="0" dirty="0" err="1">
                 <a:solidFill>
                   <a:srgbClr val="1D2125"/>
                 </a:solidFill>
@@ -5135,7 +5115,7 @@
               <a:t>ApresentarResultados</a:t>
             </a:r>
             <a:r>
-              <a:rPr lang="pt-PT" kern="0" dirty="0">
+              <a:rPr lang="pt-PT" sz="2000" kern="0" dirty="0">
                 <a:solidFill>
                   <a:srgbClr val="1D2125"/>
                 </a:solidFill>
@@ -5145,7 +5125,7 @@
               <a:t>() da </a:t>
             </a:r>
             <a:r>
-              <a:rPr lang="pt-PT" kern="0" dirty="0" err="1">
+              <a:rPr lang="pt-PT" sz="2000" kern="0" dirty="0" err="1">
                 <a:solidFill>
                   <a:srgbClr val="1D2125"/>
                 </a:solidFill>
@@ -5155,7 +5135,7 @@
               <a:t>View</a:t>
             </a:r>
             <a:r>
-              <a:rPr lang="pt-PT" kern="0" dirty="0">
+              <a:rPr lang="pt-PT" sz="2000" kern="0" dirty="0">
                 <a:solidFill>
                   <a:srgbClr val="1D2125"/>
                 </a:solidFill>
@@ -5165,7 +5145,7 @@
               <a:t> subscreve o evento </a:t>
             </a:r>
             <a:r>
-              <a:rPr lang="pt-PT" kern="0" dirty="0" err="1">
+              <a:rPr lang="pt-PT" sz="2000" kern="0" dirty="0" err="1">
                 <a:solidFill>
                   <a:srgbClr val="1D2125"/>
                 </a:solidFill>
@@ -5175,7 +5155,7 @@
               <a:t>OnResultsAvailable</a:t>
             </a:r>
             <a:r>
-              <a:rPr lang="pt-PT" kern="0" dirty="0">
+              <a:rPr lang="pt-PT" sz="2000" kern="0" dirty="0">
                 <a:solidFill>
                   <a:srgbClr val="1D2125"/>
                 </a:solidFill>
@@ -5185,7 +5165,7 @@
               <a:t>() do </a:t>
             </a:r>
             <a:r>
-              <a:rPr lang="pt-PT" kern="0" dirty="0" err="1">
+              <a:rPr lang="pt-PT" sz="2000" kern="0" dirty="0" err="1">
                 <a:solidFill>
                   <a:srgbClr val="1D2125"/>
                 </a:solidFill>
@@ -5195,14 +5175,14 @@
               <a:t>Model</a:t>
             </a:r>
             <a:r>
-              <a:rPr lang="pt-PT" kern="0" dirty="0">
+              <a:rPr lang="pt-PT" sz="2000" kern="0" dirty="0">
                 <a:solidFill>
                   <a:srgbClr val="1D2125"/>
                 </a:solidFill>
                 <a:ea typeface="Times New Roman" panose="02020603050405020304" pitchFamily="18" charset="0"/>
                 <a:cs typeface="Times New Roman" panose="02020603050405020304" pitchFamily="18" charset="0"/>
               </a:rPr>
-              <a:t>.</a:t>
+              <a:t>;</a:t>
             </a:r>
           </a:p>
           <a:p>
@@ -5215,7 +5195,6 @@
                 <a:srgbClr val="1D2125"/>
               </a:solidFill>
               <a:effectLst/>
-              <a:latin typeface="Verdana" panose="020B0604030504040204" pitchFamily="34" charset="0"/>
               <a:ea typeface="Times New Roman" panose="02020603050405020304" pitchFamily="18" charset="0"/>
               <a:cs typeface="Times New Roman" panose="02020603050405020304" pitchFamily="18" charset="0"/>
             </a:endParaRPr>
@@ -5230,42 +5209,9 @@
                 <a:solidFill>
                   <a:srgbClr val="1D2125"/>
                 </a:solidFill>
-                <a:effectLst/>
-                <a:ea typeface="Times New Roman" panose="02020603050405020304" pitchFamily="18" charset="0"/>
                 <a:cs typeface="Times New Roman" panose="02020603050405020304" pitchFamily="18" charset="0"/>
               </a:rPr>
-              <a:t> </a:t>
-            </a:r>
-            <a:r>
-              <a:rPr lang="pt-PT" kern="0" dirty="0">
-                <a:solidFill>
-                  <a:srgbClr val="1D2125"/>
-                </a:solidFill>
-                <a:ea typeface="Times New Roman" panose="02020603050405020304" pitchFamily="18" charset="0"/>
-                <a:cs typeface="Times New Roman" panose="02020603050405020304" pitchFamily="18" charset="0"/>
-              </a:rPr>
-              <a:t>N</a:t>
-            </a:r>
-            <a:r>
-              <a:rPr lang="pt-PT" kern="0" dirty="0">
-                <a:solidFill>
-                  <a:srgbClr val="1D2125"/>
-                </a:solidFill>
-                <a:effectLst/>
-                <a:ea typeface="Times New Roman" panose="02020603050405020304" pitchFamily="18" charset="0"/>
-                <a:cs typeface="Times New Roman" panose="02020603050405020304" pitchFamily="18" charset="0"/>
-              </a:rPr>
-              <a:t>ão existe</a:t>
-            </a:r>
-            <a:r>
-              <a:rPr lang="pt-PT" kern="0" dirty="0">
-                <a:solidFill>
-                  <a:srgbClr val="1D2125"/>
-                </a:solidFill>
-                <a:ea typeface="Times New Roman" panose="02020603050405020304" pitchFamily="18" charset="0"/>
-                <a:cs typeface="Times New Roman" panose="02020603050405020304" pitchFamily="18" charset="0"/>
-              </a:rPr>
-              <a:t>m eventos /delegados entre a aplicação e a API escolhida.</a:t>
+              <a:t> Não existem eventos/delegados entre a aplicação e a API escolhida.</a:t>
             </a:r>
             <a:br>
               <a:rPr lang="pt-PT" kern="0" dirty="0">
@@ -5954,63 +5900,102 @@
             <p:ph idx="1"/>
           </p:nvPr>
         </p:nvSpPr>
-        <p:spPr/>
-        <p:txBody>
-          <a:bodyPr/>
+        <p:spPr>
+          <a:xfrm>
+            <a:off x="1097280" y="2017184"/>
+            <a:ext cx="10058400" cy="4023360"/>
+          </a:xfrm>
+        </p:spPr>
+        <p:txBody>
+          <a:bodyPr>
+            <a:normAutofit/>
+          </a:bodyPr>
           <a:lstStyle/>
           <a:p>
+            <a:pPr>
+              <a:buFont typeface="Wingdings" panose="05000000000000000000" pitchFamily="2" charset="2"/>
+              <a:buChar char="§"/>
+            </a:pPr>
             <a:r>
               <a:rPr lang="pt-PT" dirty="0"/>
-              <a:t>Baixo </a:t>
-            </a:r>
-            <a:r>
-              <a:rPr lang="pt-PT" dirty="0" err="1"/>
-              <a:t>acomplamento</a:t>
-            </a:r>
+              <a:t> </a:t>
+            </a:r>
+            <a:r>
+              <a:rPr lang="pt-PT" b="1" dirty="0"/>
+              <a:t>Baixo acoplamento:</a:t>
+            </a:r>
+          </a:p>
+          <a:p>
+            <a:pPr lvl="1" algn="just">
+              <a:buFont typeface="Arial" panose="020B0604020202020204" pitchFamily="34" charset="0"/>
+              <a:buChar char="•"/>
+            </a:pPr>
+            <a:r>
+              <a:rPr lang="pt-PT" sz="2000" dirty="0"/>
+              <a:t>Na nossa API foram identificadas cinco dependências entre componentes;</a:t>
+            </a:r>
+          </a:p>
+          <a:p>
+            <a:pPr>
+              <a:buFont typeface="Wingdings" panose="05000000000000000000" pitchFamily="2" charset="2"/>
+              <a:buChar char="§"/>
+            </a:pPr>
+            <a:endParaRPr lang="pt-PT" dirty="0"/>
+          </a:p>
+          <a:p>
+            <a:pPr>
+              <a:buFont typeface="Wingdings" panose="05000000000000000000" pitchFamily="2" charset="2"/>
+              <a:buChar char="§"/>
+            </a:pPr>
             <a:r>
               <a:rPr lang="pt-PT" dirty="0"/>
-              <a:t> – na nossa API foram identificadas cinco dependências entre componentes;</a:t>
-            </a:r>
-          </a:p>
-          <a:p>
-            <a:endParaRPr lang="pt-PT" dirty="0"/>
-          </a:p>
-          <a:p>
-            <a:r>
-              <a:rPr lang="pt-PT" dirty="0"/>
-              <a:t>Interfaces – a criação das interfaces </a:t>
-            </a:r>
-            <a:r>
-              <a:rPr lang="pt-PT" dirty="0" err="1"/>
-              <a:t>IModel</a:t>
-            </a:r>
-            <a:r>
-              <a:rPr lang="pt-PT" dirty="0"/>
+              <a:t> </a:t>
+            </a:r>
+            <a:r>
+              <a:rPr lang="pt-PT" b="1" dirty="0"/>
+              <a:t>Interfaces: </a:t>
+            </a:r>
+          </a:p>
+          <a:p>
+            <a:pPr lvl="1" algn="just">
+              <a:buFont typeface="Arial" panose="020B0604020202020204" pitchFamily="34" charset="0"/>
+              <a:buChar char="•"/>
+            </a:pPr>
+            <a:r>
+              <a:rPr lang="pt-PT" sz="2000" dirty="0"/>
+              <a:t> A criação de interfaces </a:t>
+            </a:r>
+            <a:r>
+              <a:rPr lang="pt-PT" sz="2000" dirty="0" err="1"/>
+              <a:t>iModel</a:t>
+            </a:r>
+            <a:r>
+              <a:rPr lang="pt-PT" sz="2000" dirty="0"/>
               <a:t> e </a:t>
             </a:r>
             <a:r>
-              <a:rPr lang="pt-PT" dirty="0" err="1"/>
-              <a:t>IView</a:t>
-            </a:r>
-            <a:r>
-              <a:rPr lang="pt-PT" dirty="0"/>
+              <a:rPr lang="pt-PT" sz="2000" dirty="0" err="1"/>
+              <a:t>iView</a:t>
+            </a:r>
+            <a:r>
+              <a:rPr lang="pt-PT" sz="2000" dirty="0"/>
               <a:t> permitem que a aplicação use diferentes tipos de aplicação do </a:t>
             </a:r>
             <a:r>
-              <a:rPr lang="pt-PT" dirty="0" err="1"/>
+              <a:rPr lang="pt-PT" sz="2000" dirty="0" err="1"/>
               <a:t>Model</a:t>
             </a:r>
             <a:r>
-              <a:rPr lang="pt-PT" dirty="0"/>
-              <a:t> e do </a:t>
-            </a:r>
-            <a:r>
-              <a:rPr lang="pt-PT" dirty="0" err="1"/>
+              <a:rPr lang="pt-PT" sz="2000" dirty="0"/>
+              <a:t> e </a:t>
+            </a:r>
+            <a:r>
+              <a:rPr lang="pt-PT" sz="2000" dirty="0" err="1"/>
               <a:t>View</a:t>
             </a:r>
             <a:r>
-              <a:rPr lang="pt-PT" dirty="0"/>
-              <a:t>, caso seja necessário além das próprias interfaces servirem de documentação e contrato entre os vários componentes.</a:t>
+              <a:rPr lang="pt-PT" sz="2000" dirty="0"/>
+              <a:t>, caso seja necessário, além das próprias interfaces servirem de documentação e contrato entre os vários componentes.</a:t>
             </a:r>
           </a:p>
         </p:txBody>
@@ -6100,64 +6085,104 @@
             <p:ph idx="1"/>
           </p:nvPr>
         </p:nvSpPr>
-        <p:spPr/>
+        <p:spPr>
+          <a:xfrm>
+            <a:off x="1097280" y="1979084"/>
+            <a:ext cx="10058400" cy="4023360"/>
+          </a:xfrm>
+        </p:spPr>
         <p:txBody>
           <a:bodyPr/>
           <a:lstStyle/>
           <a:p>
+            <a:pPr>
+              <a:buFont typeface="Wingdings" panose="05000000000000000000" pitchFamily="2" charset="2"/>
+              <a:buChar char="§"/>
+            </a:pPr>
             <a:r>
               <a:rPr lang="pt-PT" dirty="0"/>
-              <a:t> poderia aceitar mais comandos, por exemplo um para tornar a imagem “turva”</a:t>
-            </a:r>
-          </a:p>
-          <a:p>
+              <a:t> Poderia aceitar mais comandos, por exemplo, um para tornar a imagem “turva”;</a:t>
+            </a:r>
+          </a:p>
+          <a:p>
+            <a:pPr marL="0" indent="0">
+              <a:buNone/>
+            </a:pPr>
             <a:endParaRPr lang="pt-PT" dirty="0"/>
           </a:p>
           <a:p>
+            <a:pPr>
+              <a:buFont typeface="Wingdings" panose="05000000000000000000" pitchFamily="2" charset="2"/>
+              <a:buChar char="§"/>
+            </a:pPr>
             <a:r>
               <a:rPr lang="pt-PT" dirty="0"/>
-              <a:t>Criado intervalo de luminosidade para definir as cores </a:t>
-            </a:r>
-          </a:p>
-          <a:p>
-            <a:pPr lvl="1"/>
-            <a:r>
-              <a:rPr lang="pt-PT" dirty="0" err="1"/>
-              <a:t>red</a:t>
-            </a:r>
-            <a:r>
-              <a:rPr lang="pt-PT" dirty="0"/>
-              <a:t> (R:100-255 ; G:0-100;  B:0-100);</a:t>
-            </a:r>
-          </a:p>
-          <a:p>
-            <a:pPr lvl="1"/>
-            <a:r>
-              <a:rPr lang="pt-PT" dirty="0"/>
-              <a:t>green (R:0-100 ; G: 100-255;  B:0-100);</a:t>
-            </a:r>
-          </a:p>
-          <a:p>
-            <a:pPr lvl="1"/>
-            <a:r>
-              <a:rPr lang="pt-PT" dirty="0" err="1"/>
-              <a:t>blue</a:t>
-            </a:r>
-            <a:r>
-              <a:rPr lang="pt-PT" dirty="0"/>
-              <a:t> (R</a:t>
-            </a:r>
-            <a:r>
-              <a:rPr lang="pt-PT"/>
-              <a:t>:0-100 </a:t>
-            </a:r>
-            <a:r>
-              <a:rPr lang="pt-PT" dirty="0"/>
-              <a:t>; G:0-100;  B: 100-255);</a:t>
-            </a:r>
-          </a:p>
-          <a:p>
-            <a:pPr lvl="1"/>
+              <a:t> Poderia ter sido criado um intervalo de luminosidade para definir as cores:</a:t>
+            </a:r>
+          </a:p>
+          <a:p>
+            <a:pPr marL="0" indent="0">
+              <a:buNone/>
+            </a:pPr>
+            <a:endParaRPr lang="pt-PT" dirty="0"/>
+          </a:p>
+          <a:p>
+            <a:pPr lvl="2">
+              <a:buFont typeface="Arial" panose="020B0604020202020204" pitchFamily="34" charset="0"/>
+              <a:buChar char="•"/>
+            </a:pPr>
+            <a:r>
+              <a:rPr lang="pt-PT" sz="2000" dirty="0" err="1"/>
+              <a:t>Red</a:t>
+            </a:r>
+            <a:r>
+              <a:rPr lang="pt-PT" sz="2000" dirty="0"/>
+              <a:t> (R: 100-255; G: 0-100; B: 0-100);</a:t>
+            </a:r>
+          </a:p>
+          <a:p>
+            <a:pPr lvl="2">
+              <a:buFont typeface="Arial" panose="020B0604020202020204" pitchFamily="34" charset="0"/>
+              <a:buChar char="•"/>
+            </a:pPr>
+            <a:r>
+              <a:rPr lang="pt-PT" sz="2000" dirty="0"/>
+              <a:t>Green (R: 0-100; G: 100-255; B: 0-100);</a:t>
+            </a:r>
+          </a:p>
+          <a:p>
+            <a:pPr lvl="2">
+              <a:buFont typeface="Arial" panose="020B0604020202020204" pitchFamily="34" charset="0"/>
+              <a:buChar char="•"/>
+            </a:pPr>
+            <a:r>
+              <a:rPr lang="pt-PT" sz="2000" dirty="0" err="1"/>
+              <a:t>Blue</a:t>
+            </a:r>
+            <a:r>
+              <a:rPr lang="pt-PT" sz="2000" dirty="0"/>
+              <a:t> (R: 0-100; G: 0-100; B: 100-255).</a:t>
+            </a:r>
+          </a:p>
+          <a:p>
+            <a:pPr lvl="1">
+              <a:buFont typeface="Wingdings" panose="05000000000000000000" pitchFamily="2" charset="2"/>
+              <a:buChar char="§"/>
+            </a:pPr>
+            <a:endParaRPr lang="pt-PT" dirty="0"/>
+          </a:p>
+          <a:p>
+            <a:pPr>
+              <a:buFont typeface="Wingdings" panose="05000000000000000000" pitchFamily="2" charset="2"/>
+              <a:buChar char="§"/>
+            </a:pPr>
+            <a:endParaRPr lang="pt-PT" dirty="0"/>
+          </a:p>
+          <a:p>
+            <a:pPr>
+              <a:buFont typeface="Wingdings" panose="05000000000000000000" pitchFamily="2" charset="2"/>
+              <a:buChar char="§"/>
+            </a:pPr>
             <a:endParaRPr lang="pt-PT" dirty="0"/>
           </a:p>
         </p:txBody>

--- a/Apresentação da aplicação demonstradora de análise e edição de imagens.pptx
+++ b/Apresentação da aplicação demonstradora de análise e edição de imagens.pptx
@@ -344,7 +344,7 @@
           <a:p>
             <a:fld id="{208AF071-E2F8-4483-8BD5-62BB3A1A1F41}" type="datetimeFigureOut">
               <a:rPr lang="pt-PT" smtClean="0"/>
-              <a:t>03/06/2023</a:t>
+              <a:t>2023-06-03</a:t>
             </a:fld>
             <a:endParaRPr lang="pt-PT"/>
           </a:p>
@@ -386,7 +386,7 @@
           <a:p>
             <a:fld id="{44362CB0-C861-43FA-9DF9-6CD3CE9CE491}" type="slidenum">
               <a:rPr lang="pt-PT" smtClean="0"/>
-              <a:t>‹nº›</a:t>
+              <a:t>‹#›</a:t>
             </a:fld>
             <a:endParaRPr lang="pt-PT"/>
           </a:p>
@@ -552,7 +552,7 @@
           <a:p>
             <a:fld id="{208AF071-E2F8-4483-8BD5-62BB3A1A1F41}" type="datetimeFigureOut">
               <a:rPr lang="pt-PT" smtClean="0"/>
-              <a:t>03/06/2023</a:t>
+              <a:t>2023-06-03</a:t>
             </a:fld>
             <a:endParaRPr lang="pt-PT"/>
           </a:p>
@@ -594,7 +594,7 @@
           <a:p>
             <a:fld id="{44362CB0-C861-43FA-9DF9-6CD3CE9CE491}" type="slidenum">
               <a:rPr lang="pt-PT" smtClean="0"/>
-              <a:t>‹nº›</a:t>
+              <a:t>‹#›</a:t>
             </a:fld>
             <a:endParaRPr lang="pt-PT"/>
           </a:p>
@@ -808,7 +808,7 @@
           <a:p>
             <a:fld id="{208AF071-E2F8-4483-8BD5-62BB3A1A1F41}" type="datetimeFigureOut">
               <a:rPr lang="pt-PT" smtClean="0"/>
-              <a:t>03/06/2023</a:t>
+              <a:t>2023-06-03</a:t>
             </a:fld>
             <a:endParaRPr lang="pt-PT"/>
           </a:p>
@@ -850,7 +850,7 @@
           <a:p>
             <a:fld id="{44362CB0-C861-43FA-9DF9-6CD3CE9CE491}" type="slidenum">
               <a:rPr lang="pt-PT" smtClean="0"/>
-              <a:t>‹nº›</a:t>
+              <a:t>‹#›</a:t>
             </a:fld>
             <a:endParaRPr lang="pt-PT"/>
           </a:p>
@@ -982,7 +982,7 @@
           <a:p>
             <a:fld id="{208AF071-E2F8-4483-8BD5-62BB3A1A1F41}" type="datetimeFigureOut">
               <a:rPr lang="pt-PT" smtClean="0"/>
-              <a:t>03/06/2023</a:t>
+              <a:t>2023-06-03</a:t>
             </a:fld>
             <a:endParaRPr lang="pt-PT"/>
           </a:p>
@@ -1024,7 +1024,7 @@
           <a:p>
             <a:fld id="{44362CB0-C861-43FA-9DF9-6CD3CE9CE491}" type="slidenum">
               <a:rPr lang="pt-PT" smtClean="0"/>
-              <a:t>‹nº›</a:t>
+              <a:t>‹#›</a:t>
             </a:fld>
             <a:endParaRPr lang="pt-PT"/>
           </a:p>
@@ -1325,7 +1325,7 @@
           <a:p>
             <a:fld id="{208AF071-E2F8-4483-8BD5-62BB3A1A1F41}" type="datetimeFigureOut">
               <a:rPr lang="pt-PT" smtClean="0"/>
-              <a:t>03/06/2023</a:t>
+              <a:t>2023-06-03</a:t>
             </a:fld>
             <a:endParaRPr lang="pt-PT"/>
           </a:p>
@@ -1367,7 +1367,7 @@
           <a:p>
             <a:fld id="{44362CB0-C861-43FA-9DF9-6CD3CE9CE491}" type="slidenum">
               <a:rPr lang="pt-PT" smtClean="0"/>
-              <a:t>‹nº›</a:t>
+              <a:t>‹#›</a:t>
             </a:fld>
             <a:endParaRPr lang="pt-PT"/>
           </a:p>
@@ -1600,7 +1600,7 @@
           <a:p>
             <a:fld id="{208AF071-E2F8-4483-8BD5-62BB3A1A1F41}" type="datetimeFigureOut">
               <a:rPr lang="pt-PT" smtClean="0"/>
-              <a:t>03/06/2023</a:t>
+              <a:t>2023-06-03</a:t>
             </a:fld>
             <a:endParaRPr lang="pt-PT"/>
           </a:p>
@@ -1642,7 +1642,7 @@
           <a:p>
             <a:fld id="{44362CB0-C861-43FA-9DF9-6CD3CE9CE491}" type="slidenum">
               <a:rPr lang="pt-PT" smtClean="0"/>
-              <a:t>‹nº›</a:t>
+              <a:t>‹#›</a:t>
             </a:fld>
             <a:endParaRPr lang="pt-PT"/>
           </a:p>
@@ -1979,7 +1979,7 @@
           <a:p>
             <a:fld id="{208AF071-E2F8-4483-8BD5-62BB3A1A1F41}" type="datetimeFigureOut">
               <a:rPr lang="pt-PT" smtClean="0"/>
-              <a:t>03/06/2023</a:t>
+              <a:t>2023-06-03</a:t>
             </a:fld>
             <a:endParaRPr lang="pt-PT"/>
           </a:p>
@@ -2021,7 +2021,7 @@
           <a:p>
             <a:fld id="{44362CB0-C861-43FA-9DF9-6CD3CE9CE491}" type="slidenum">
               <a:rPr lang="pt-PT" smtClean="0"/>
-              <a:t>‹nº›</a:t>
+              <a:t>‹#›</a:t>
             </a:fld>
             <a:endParaRPr lang="pt-PT"/>
           </a:p>
@@ -2097,7 +2097,7 @@
           <a:p>
             <a:fld id="{208AF071-E2F8-4483-8BD5-62BB3A1A1F41}" type="datetimeFigureOut">
               <a:rPr lang="pt-PT" smtClean="0"/>
-              <a:t>03/06/2023</a:t>
+              <a:t>2023-06-03</a:t>
             </a:fld>
             <a:endParaRPr lang="pt-PT"/>
           </a:p>
@@ -2139,7 +2139,7 @@
           <a:p>
             <a:fld id="{44362CB0-C861-43FA-9DF9-6CD3CE9CE491}" type="slidenum">
               <a:rPr lang="pt-PT" smtClean="0"/>
-              <a:t>‹nº›</a:t>
+              <a:t>‹#›</a:t>
             </a:fld>
             <a:endParaRPr lang="pt-PT"/>
           </a:p>
@@ -2268,7 +2268,7 @@
           <a:p>
             <a:fld id="{208AF071-E2F8-4483-8BD5-62BB3A1A1F41}" type="datetimeFigureOut">
               <a:rPr lang="pt-PT" smtClean="0"/>
-              <a:t>03/06/2023</a:t>
+              <a:t>2023-06-03</a:t>
             </a:fld>
             <a:endParaRPr lang="pt-PT"/>
           </a:p>
@@ -2318,7 +2318,7 @@
           <a:p>
             <a:fld id="{44362CB0-C861-43FA-9DF9-6CD3CE9CE491}" type="slidenum">
               <a:rPr lang="pt-PT" smtClean="0"/>
-              <a:t>‹nº›</a:t>
+              <a:t>‹#›</a:t>
             </a:fld>
             <a:endParaRPr lang="pt-PT"/>
           </a:p>
@@ -2622,7 +2622,7 @@
           <a:p>
             <a:fld id="{208AF071-E2F8-4483-8BD5-62BB3A1A1F41}" type="datetimeFigureOut">
               <a:rPr lang="pt-PT" smtClean="0"/>
-              <a:t>03/06/2023</a:t>
+              <a:t>2023-06-03</a:t>
             </a:fld>
             <a:endParaRPr lang="pt-PT"/>
           </a:p>
@@ -2685,7 +2685,7 @@
           <a:p>
             <a:fld id="{44362CB0-C861-43FA-9DF9-6CD3CE9CE491}" type="slidenum">
               <a:rPr lang="pt-PT" smtClean="0"/>
-              <a:t>‹nº›</a:t>
+              <a:t>‹#›</a:t>
             </a:fld>
             <a:endParaRPr lang="pt-PT"/>
           </a:p>
@@ -3004,7 +3004,7 @@
           <a:p>
             <a:fld id="{208AF071-E2F8-4483-8BD5-62BB3A1A1F41}" type="datetimeFigureOut">
               <a:rPr lang="pt-PT" smtClean="0"/>
-              <a:t>03/06/2023</a:t>
+              <a:t>2023-06-03</a:t>
             </a:fld>
             <a:endParaRPr lang="pt-PT"/>
           </a:p>
@@ -3046,7 +3046,7 @@
           <a:p>
             <a:fld id="{44362CB0-C861-43FA-9DF9-6CD3CE9CE491}" type="slidenum">
               <a:rPr lang="pt-PT" smtClean="0"/>
-              <a:t>‹nº›</a:t>
+              <a:t>‹#›</a:t>
             </a:fld>
             <a:endParaRPr lang="pt-PT"/>
           </a:p>
@@ -3291,7 +3291,7 @@
           <a:p>
             <a:fld id="{208AF071-E2F8-4483-8BD5-62BB3A1A1F41}" type="datetimeFigureOut">
               <a:rPr lang="pt-PT" smtClean="0"/>
-              <a:t>03/06/2023</a:t>
+              <a:t>2023-06-03</a:t>
             </a:fld>
             <a:endParaRPr lang="pt-PT"/>
           </a:p>
@@ -3365,7 +3365,7 @@
           <a:p>
             <a:fld id="{44362CB0-C861-43FA-9DF9-6CD3CE9CE491}" type="slidenum">
               <a:rPr lang="pt-PT" smtClean="0"/>
-              <a:t>‹nº›</a:t>
+              <a:t>‹#›</a:t>
             </a:fld>
             <a:endParaRPr lang="pt-PT"/>
           </a:p>
@@ -4265,7 +4265,12 @@
             <p:ph type="title"/>
           </p:nvPr>
         </p:nvSpPr>
-        <p:spPr/>
+        <p:spPr>
+          <a:xfrm>
+            <a:off x="920817" y="93922"/>
+            <a:ext cx="10058400" cy="1450757"/>
+          </a:xfrm>
+        </p:spPr>
         <p:txBody>
           <a:bodyPr>
             <a:normAutofit/>
@@ -4295,8 +4300,8 @@
         </p:nvSpPr>
         <p:spPr>
           <a:xfrm>
-            <a:off x="5062484" y="1846264"/>
-            <a:ext cx="2307404" cy="916112"/>
+            <a:off x="4432082" y="1837986"/>
+            <a:ext cx="2766102" cy="916112"/>
           </a:xfrm>
           <a:prstGeom prst="roundRect">
             <a:avLst>
@@ -4361,8 +4366,8 @@
         </p:nvSpPr>
         <p:spPr>
           <a:xfrm>
-            <a:off x="8030234" y="1846264"/>
-            <a:ext cx="2307404" cy="916112"/>
+            <a:off x="8030233" y="1846264"/>
+            <a:ext cx="2766103" cy="916112"/>
           </a:xfrm>
           <a:prstGeom prst="roundRect">
             <a:avLst>
@@ -4431,8 +4436,8 @@
         </p:nvSpPr>
         <p:spPr>
           <a:xfrm>
-            <a:off x="2076450" y="1846264"/>
-            <a:ext cx="2459038" cy="916112"/>
+            <a:off x="986589" y="1846264"/>
+            <a:ext cx="2766102" cy="916112"/>
           </a:xfrm>
           <a:prstGeom prst="roundRect">
             <a:avLst>
@@ -4497,8 +4502,8 @@
         </p:nvSpPr>
         <p:spPr>
           <a:xfrm>
-            <a:off x="4888820" y="2871280"/>
-            <a:ext cx="3035980" cy="1754326"/>
+            <a:off x="4432082" y="2762376"/>
+            <a:ext cx="2947286" cy="3139321"/>
           </a:xfrm>
           <a:prstGeom prst="rect">
             <a:avLst/>
@@ -4517,7 +4522,14 @@
             </a:pPr>
             <a:r>
               <a:rPr lang="pt-PT" dirty="0"/>
-              <a:t>Lança um evento “</a:t>
+              <a:t>Lança um evento</a:t>
+            </a:r>
+          </a:p>
+          <a:p>
+            <a:pPr algn="just"/>
+            <a:r>
+              <a:rPr lang="pt-PT" dirty="0"/>
+              <a:t> “</a:t>
             </a:r>
             <a:r>
               <a:rPr lang="pt-PT" dirty="0" err="1"/>
@@ -4557,6 +4569,61 @@
               <a:rPr lang="pt-PT" dirty="0"/>
               <a:t>Mostra estatísticas RGB.</a:t>
             </a:r>
+          </a:p>
+          <a:p>
+            <a:pPr marL="285750" indent="-285750" algn="just">
+              <a:buFont typeface="Wingdings" panose="05000000000000000000" pitchFamily="2" charset="2"/>
+              <a:buChar char="§"/>
+            </a:pPr>
+            <a:r>
+              <a:rPr lang="pt-PT" sz="1800" b="1" dirty="0"/>
+              <a:t>Artefactos</a:t>
+            </a:r>
+            <a:r>
+              <a:rPr lang="pt-PT" sz="1800" dirty="0"/>
+              <a:t>: </a:t>
+            </a:r>
+            <a:r>
+              <a:rPr lang="pt-PT" sz="1800" dirty="0" err="1"/>
+              <a:t>View.cs</a:t>
+            </a:r>
+            <a:endParaRPr lang="pt-PT" sz="1800" dirty="0"/>
+          </a:p>
+          <a:p>
+            <a:r>
+              <a:rPr lang="pt-PT" sz="1800" dirty="0"/>
+              <a:t>		        </a:t>
+            </a:r>
+            <a:r>
+              <a:rPr lang="pt-PT" sz="1800" dirty="0" err="1"/>
+              <a:t>Exceptions.cs</a:t>
+            </a:r>
+            <a:endParaRPr lang="pt-PT" sz="1800" dirty="0"/>
+          </a:p>
+          <a:p>
+            <a:r>
+              <a:rPr lang="pt-PT" sz="1800" dirty="0"/>
+              <a:t>		        </a:t>
+            </a:r>
+            <a:r>
+              <a:rPr lang="pt-PT" sz="1800" dirty="0" err="1"/>
+              <a:t>Events.cs</a:t>
+            </a:r>
+            <a:endParaRPr lang="pt-PT" sz="1800" dirty="0"/>
+          </a:p>
+          <a:p>
+            <a:pPr marL="285750" indent="-285750" algn="just">
+              <a:buFont typeface="Wingdings" panose="05000000000000000000" pitchFamily="2" charset="2"/>
+              <a:buChar char="§"/>
+            </a:pPr>
+            <a:endParaRPr lang="pt-PT" sz="1800" dirty="0"/>
+          </a:p>
+          <a:p>
+            <a:pPr marL="285750" indent="-285750" algn="just">
+              <a:buFont typeface="Wingdings" panose="05000000000000000000" pitchFamily="2" charset="2"/>
+              <a:buChar char="§"/>
+            </a:pPr>
+            <a:endParaRPr lang="pt-PT" dirty="0"/>
           </a:p>
         </p:txBody>
       </p:sp>
@@ -4574,8 +4641,8 @@
         </p:nvSpPr>
         <p:spPr>
           <a:xfrm>
-            <a:off x="1918715" y="2975729"/>
-            <a:ext cx="2774507" cy="2862322"/>
+            <a:off x="983163" y="2863002"/>
+            <a:ext cx="3272590" cy="3231654"/>
           </a:xfrm>
           <a:prstGeom prst="rect">
             <a:avLst/>
@@ -4593,15 +4660,15 @@
               <a:buChar char="§"/>
             </a:pPr>
             <a:r>
-              <a:rPr lang="pt-PT" dirty="0"/>
+              <a:rPr lang="pt-PT" sz="1700" dirty="0"/>
               <a:t>Define a classe </a:t>
             </a:r>
             <a:r>
-              <a:rPr lang="pt-PT" dirty="0" err="1"/>
+              <a:rPr lang="pt-PT" sz="1700" dirty="0" err="1"/>
               <a:t>ColorPercentages</a:t>
             </a:r>
             <a:r>
-              <a:rPr lang="pt-PT" dirty="0"/>
+              <a:rPr lang="pt-PT" sz="1700" dirty="0"/>
               <a:t>;</a:t>
             </a:r>
           </a:p>
@@ -4611,15 +4678,15 @@
               <a:buChar char="§"/>
             </a:pPr>
             <a:r>
-              <a:rPr lang="pt-PT" dirty="0"/>
+              <a:rPr lang="pt-PT" sz="1700" dirty="0"/>
               <a:t>Implementa o método que lança o evento “</a:t>
             </a:r>
             <a:r>
-              <a:rPr lang="pt-PT" dirty="0" err="1"/>
+              <a:rPr lang="pt-PT" sz="1700" dirty="0" err="1"/>
               <a:t>OnResultsAvailable</a:t>
             </a:r>
             <a:r>
-              <a:rPr lang="pt-PT" dirty="0"/>
+              <a:rPr lang="pt-PT" sz="1700" dirty="0"/>
               <a:t>”;</a:t>
             </a:r>
           </a:p>
@@ -4629,7 +4696,7 @@
               <a:buChar char="§"/>
             </a:pPr>
             <a:r>
-              <a:rPr lang="pt-PT" dirty="0"/>
+              <a:rPr lang="pt-PT" sz="1700" dirty="0"/>
               <a:t>Calcula as percentagens de cada cor;</a:t>
             </a:r>
           </a:p>
@@ -4639,17 +4706,58 @@
               <a:buChar char="§"/>
             </a:pPr>
             <a:r>
-              <a:rPr lang="pt-PT" dirty="0"/>
+              <a:rPr lang="pt-PT" sz="1700" dirty="0"/>
               <a:t>Retorna resultado como objeto do tipo </a:t>
             </a:r>
             <a:r>
-              <a:rPr lang="pt-PT" dirty="0" err="1"/>
+              <a:rPr lang="pt-PT" sz="1700" dirty="0" err="1"/>
               <a:t>ColorPercentages</a:t>
             </a:r>
             <a:r>
-              <a:rPr lang="pt-PT" dirty="0"/>
+              <a:rPr lang="pt-PT" sz="1700" dirty="0"/>
               <a:t>.</a:t>
             </a:r>
+          </a:p>
+          <a:p>
+            <a:pPr marL="285750" indent="-285750">
+              <a:buFont typeface="Wingdings" panose="05000000000000000000" pitchFamily="2" charset="2"/>
+              <a:buChar char="§"/>
+            </a:pPr>
+            <a:r>
+              <a:rPr lang="pt-PT" sz="1700" b="1" dirty="0"/>
+              <a:t>Artefactos</a:t>
+            </a:r>
+            <a:r>
+              <a:rPr lang="pt-PT" sz="1700" dirty="0"/>
+              <a:t>: </a:t>
+            </a:r>
+            <a:r>
+              <a:rPr lang="pt-PT" sz="1700" dirty="0" err="1"/>
+              <a:t>Model.cs</a:t>
+            </a:r>
+            <a:endParaRPr lang="pt-PT" sz="1700" dirty="0"/>
+          </a:p>
+          <a:p>
+            <a:r>
+              <a:rPr lang="pt-PT" sz="1700" dirty="0"/>
+              <a:t>		        </a:t>
+            </a:r>
+            <a:r>
+              <a:rPr lang="pt-PT" sz="1700" dirty="0" err="1"/>
+              <a:t>Exceptions.cs</a:t>
+            </a:r>
+            <a:endParaRPr lang="pt-PT" sz="1700" dirty="0"/>
+          </a:p>
+          <a:p>
+            <a:r>
+              <a:rPr lang="pt-PT" sz="1700" dirty="0"/>
+              <a:t>		        </a:t>
+            </a:r>
+            <a:r>
+              <a:rPr lang="pt-PT" sz="1700" dirty="0" err="1"/>
+              <a:t>Events.cs</a:t>
+            </a:r>
+            <a:endParaRPr lang="pt-PT" sz="1700" dirty="0"/>
           </a:p>
         </p:txBody>
       </p:sp>
@@ -4667,8 +4775,8 @@
         </p:nvSpPr>
         <p:spPr>
           <a:xfrm>
-            <a:off x="8030235" y="2975729"/>
-            <a:ext cx="2532990" cy="3139321"/>
+            <a:off x="8030233" y="2871280"/>
+            <a:ext cx="3062881" cy="3693319"/>
           </a:xfrm>
           <a:prstGeom prst="rect">
             <a:avLst/>
@@ -4717,6 +4825,61 @@
               <a:rPr lang="pt-PT" dirty="0"/>
               <a:t>()”.</a:t>
             </a:r>
+          </a:p>
+          <a:p>
+            <a:pPr marL="285750" indent="-285750" algn="just">
+              <a:buFont typeface="Wingdings" panose="05000000000000000000" pitchFamily="2" charset="2"/>
+              <a:buChar char="§"/>
+            </a:pPr>
+            <a:r>
+              <a:rPr lang="pt-PT" sz="1800" b="1" dirty="0"/>
+              <a:t>Artefactos</a:t>
+            </a:r>
+            <a:r>
+              <a:rPr lang="pt-PT" sz="1800" dirty="0"/>
+              <a:t>: </a:t>
+            </a:r>
+            <a:r>
+              <a:rPr lang="pt-PT" sz="1800" dirty="0" err="1"/>
+              <a:t>Controller.cs</a:t>
+            </a:r>
+            <a:endParaRPr lang="pt-PT" sz="1800" dirty="0"/>
+          </a:p>
+          <a:p>
+            <a:r>
+              <a:rPr lang="pt-PT" sz="1800" dirty="0"/>
+              <a:t>                          </a:t>
+            </a:r>
+            <a:r>
+              <a:rPr lang="pt-PT" sz="1800" dirty="0" err="1"/>
+              <a:t>Exceptions.cs</a:t>
+            </a:r>
+            <a:endParaRPr lang="pt-PT" sz="1800" dirty="0"/>
+          </a:p>
+          <a:p>
+            <a:r>
+              <a:rPr lang="pt-PT" sz="1800" dirty="0"/>
+              <a:t>		         </a:t>
+            </a:r>
+            <a:r>
+              <a:rPr lang="pt-PT" sz="1800" dirty="0" err="1"/>
+              <a:t>Events.cs</a:t>
+            </a:r>
+            <a:endParaRPr lang="pt-PT" sz="1800" dirty="0"/>
+          </a:p>
+          <a:p>
+            <a:pPr marL="285750" indent="-285750" algn="just">
+              <a:buFont typeface="Wingdings" panose="05000000000000000000" pitchFamily="2" charset="2"/>
+              <a:buChar char="§"/>
+            </a:pPr>
+            <a:endParaRPr lang="pt-PT" sz="1800" dirty="0"/>
+          </a:p>
+          <a:p>
+            <a:pPr marL="285750" indent="-285750" algn="just">
+              <a:buFont typeface="Wingdings" panose="05000000000000000000" pitchFamily="2" charset="2"/>
+              <a:buChar char="§"/>
+            </a:pPr>
+            <a:endParaRPr lang="pt-PT" dirty="0"/>
           </a:p>
         </p:txBody>
       </p:sp>
